--- a/docs/SCF_instance.pptx
+++ b/docs/SCF_instance.pptx
@@ -105,6 +105,11 @@
       </a:defRPr>
     </a:lvl9pPr>
   </p:defaultTextStyle>
+  <p:extLst>
+    <p:ext uri="{EFAFB233-063F-42B5-8137-9DF3F51BA10A}">
+      <p15:sldGuideLst xmlns:p15="http://schemas.microsoft.com/office/powerpoint/2012/main"/>
+    </p:ext>
+  </p:extLst>
 </p:presentation>
 </file>
 
@@ -919,19 +924,32 @@
         <a:p>
           <a:r>
             <a:rPr lang="sv-SE" dirty="0" smtClean="0"/>
-            <a:t>Services</a:t>
+            <a:t>Service containers</a:t>
           </a:r>
-          <a:endParaRPr lang="sv-SE" dirty="0"/>
         </a:p>
       </dgm:t>
     </dgm:pt>
     <dgm:pt modelId="{191167BF-1CA0-4E79-A0AC-C2650B91CF53}" type="parTrans" cxnId="{A6652B77-308C-460E-88E3-DCD527874EB3}">
       <dgm:prSet/>
       <dgm:spPr/>
+      <dgm:t>
+        <a:bodyPr/>
+        <a:lstStyle/>
+        <a:p>
+          <a:endParaRPr lang="sv-SE"/>
+        </a:p>
+      </dgm:t>
     </dgm:pt>
     <dgm:pt modelId="{DCE6194F-7DC6-43A0-ADD3-B78CB310D15C}" type="sibTrans" cxnId="{A6652B77-308C-460E-88E3-DCD527874EB3}">
       <dgm:prSet/>
       <dgm:spPr/>
+      <dgm:t>
+        <a:bodyPr/>
+        <a:lstStyle/>
+        <a:p>
+          <a:endParaRPr lang="sv-SE"/>
+        </a:p>
+      </dgm:t>
     </dgm:pt>
     <dgm:pt modelId="{8D74ECD7-FE9B-4E0B-AE0E-A35E6E7D3F69}">
       <dgm:prSet phldrT="[Text]"/>
@@ -955,10 +973,24 @@
     <dgm:pt modelId="{89F7E1DA-5A7F-49F5-A98F-B894045105D1}" type="parTrans" cxnId="{1DFAFB7B-44A3-4F80-8DBC-02369C600DBD}">
       <dgm:prSet/>
       <dgm:spPr/>
+      <dgm:t>
+        <a:bodyPr/>
+        <a:lstStyle/>
+        <a:p>
+          <a:endParaRPr lang="sv-SE"/>
+        </a:p>
+      </dgm:t>
     </dgm:pt>
     <dgm:pt modelId="{D48CE86D-0E4B-49F6-87B8-715A4A104458}" type="sibTrans" cxnId="{1DFAFB7B-44A3-4F80-8DBC-02369C600DBD}">
       <dgm:prSet/>
       <dgm:spPr/>
+      <dgm:t>
+        <a:bodyPr/>
+        <a:lstStyle/>
+        <a:p>
+          <a:endParaRPr lang="sv-SE"/>
+        </a:p>
+      </dgm:t>
     </dgm:pt>
     <dgm:pt modelId="{4C2B714F-9A03-41D6-88CC-4FDFE0E341CE}">
       <dgm:prSet phldrT="[Text]"/>
@@ -977,10 +1009,24 @@
     <dgm:pt modelId="{DBC450B8-9E4B-42B3-B60E-2989BB6F8DE9}" type="parTrans" cxnId="{0912AB18-EB3F-4D57-BDEB-7B74496AF26E}">
       <dgm:prSet/>
       <dgm:spPr/>
+      <dgm:t>
+        <a:bodyPr/>
+        <a:lstStyle/>
+        <a:p>
+          <a:endParaRPr lang="sv-SE"/>
+        </a:p>
+      </dgm:t>
     </dgm:pt>
     <dgm:pt modelId="{C92AAAB0-AE27-48FF-8300-D149419D0270}" type="sibTrans" cxnId="{0912AB18-EB3F-4D57-BDEB-7B74496AF26E}">
       <dgm:prSet/>
       <dgm:spPr/>
+      <dgm:t>
+        <a:bodyPr/>
+        <a:lstStyle/>
+        <a:p>
+          <a:endParaRPr lang="sv-SE"/>
+        </a:p>
+      </dgm:t>
     </dgm:pt>
     <dgm:pt modelId="{E1929076-149A-4CE7-8362-DB6CEC8F9450}">
       <dgm:prSet phldrT="[Text]"/>
@@ -999,10 +1045,24 @@
     <dgm:pt modelId="{FB1D2F91-A434-4C32-923D-44B9B22097A9}" type="parTrans" cxnId="{D6670FFF-BD1A-4891-8F7F-FFAC28549380}">
       <dgm:prSet/>
       <dgm:spPr/>
+      <dgm:t>
+        <a:bodyPr/>
+        <a:lstStyle/>
+        <a:p>
+          <a:endParaRPr lang="sv-SE"/>
+        </a:p>
+      </dgm:t>
     </dgm:pt>
     <dgm:pt modelId="{21882AA3-FA02-48DF-B034-40F16F816E4B}" type="sibTrans" cxnId="{D6670FFF-BD1A-4891-8F7F-FFAC28549380}">
       <dgm:prSet/>
       <dgm:spPr/>
+      <dgm:t>
+        <a:bodyPr/>
+        <a:lstStyle/>
+        <a:p>
+          <a:endParaRPr lang="sv-SE"/>
+        </a:p>
+      </dgm:t>
     </dgm:pt>
     <dgm:pt modelId="{9B058005-70B1-4E8A-997A-F7398FBC1F60}">
       <dgm:prSet phldrT="[Text]"/>
@@ -1021,10 +1081,24 @@
     <dgm:pt modelId="{A950E1C7-41DF-448C-BB5F-58970630AF5C}" type="parTrans" cxnId="{B4DCE5FE-D50D-469C-A7B9-D04EEEFD8A06}">
       <dgm:prSet/>
       <dgm:spPr/>
+      <dgm:t>
+        <a:bodyPr/>
+        <a:lstStyle/>
+        <a:p>
+          <a:endParaRPr lang="sv-SE"/>
+        </a:p>
+      </dgm:t>
     </dgm:pt>
     <dgm:pt modelId="{A7CCEAE9-9CEB-4965-AE8C-5F5885231800}" type="sibTrans" cxnId="{B4DCE5FE-D50D-469C-A7B9-D04EEEFD8A06}">
       <dgm:prSet/>
       <dgm:spPr/>
+      <dgm:t>
+        <a:bodyPr/>
+        <a:lstStyle/>
+        <a:p>
+          <a:endParaRPr lang="sv-SE"/>
+        </a:p>
+      </dgm:t>
     </dgm:pt>
     <dgm:pt modelId="{D65FC975-2EB0-4989-A785-AA7646DF549A}">
       <dgm:prSet phldrT="[Text]"/>
@@ -1043,10 +1117,24 @@
     <dgm:pt modelId="{D446A793-FE93-45E6-992A-715C51D6DDF4}" type="parTrans" cxnId="{CA58AAE2-44EF-43F6-B1D5-D3CA0A70F1CA}">
       <dgm:prSet/>
       <dgm:spPr/>
+      <dgm:t>
+        <a:bodyPr/>
+        <a:lstStyle/>
+        <a:p>
+          <a:endParaRPr lang="sv-SE"/>
+        </a:p>
+      </dgm:t>
     </dgm:pt>
     <dgm:pt modelId="{ED1F81D0-CD28-4854-AD7F-BA1CB5082D1C}" type="sibTrans" cxnId="{CA58AAE2-44EF-43F6-B1D5-D3CA0A70F1CA}">
       <dgm:prSet/>
       <dgm:spPr/>
+      <dgm:t>
+        <a:bodyPr/>
+        <a:lstStyle/>
+        <a:p>
+          <a:endParaRPr lang="sv-SE"/>
+        </a:p>
+      </dgm:t>
     </dgm:pt>
     <dgm:pt modelId="{A3690678-3ECF-42DF-A911-294C03814916}">
       <dgm:prSet phldrT="[Text]"/>
@@ -1074,10 +1162,24 @@
     <dgm:pt modelId="{C9832642-5FBC-405D-80B6-0B4E6066E44F}" type="parTrans" cxnId="{306DB47D-FBA9-4786-93DA-82A2BE348B6A}">
       <dgm:prSet/>
       <dgm:spPr/>
+      <dgm:t>
+        <a:bodyPr/>
+        <a:lstStyle/>
+        <a:p>
+          <a:endParaRPr lang="sv-SE"/>
+        </a:p>
+      </dgm:t>
     </dgm:pt>
     <dgm:pt modelId="{2BFCAF77-33A6-46D6-B4DF-94450C56CBF6}" type="sibTrans" cxnId="{306DB47D-FBA9-4786-93DA-82A2BE348B6A}">
       <dgm:prSet/>
       <dgm:spPr/>
+      <dgm:t>
+        <a:bodyPr/>
+        <a:lstStyle/>
+        <a:p>
+          <a:endParaRPr lang="sv-SE"/>
+        </a:p>
+      </dgm:t>
     </dgm:pt>
     <dgm:pt modelId="{D34FF4D0-6218-45C7-8A0D-AEEBBE76E7E2}">
       <dgm:prSet phldrT="[Text]"/>
@@ -1097,10 +1199,24 @@
     <dgm:pt modelId="{325B40B3-0979-4BA7-8FCE-A5C33B2D8CF6}" type="parTrans" cxnId="{350E2296-FC78-48DB-A3D8-3A35217E5479}">
       <dgm:prSet/>
       <dgm:spPr/>
+      <dgm:t>
+        <a:bodyPr/>
+        <a:lstStyle/>
+        <a:p>
+          <a:endParaRPr lang="sv-SE"/>
+        </a:p>
+      </dgm:t>
     </dgm:pt>
     <dgm:pt modelId="{63666F05-3D93-4DC8-84B9-7BA039F6DC38}" type="sibTrans" cxnId="{350E2296-FC78-48DB-A3D8-3A35217E5479}">
       <dgm:prSet/>
       <dgm:spPr/>
+      <dgm:t>
+        <a:bodyPr/>
+        <a:lstStyle/>
+        <a:p>
+          <a:endParaRPr lang="sv-SE"/>
+        </a:p>
+      </dgm:t>
     </dgm:pt>
     <dgm:pt modelId="{06678873-4970-414A-84E9-9DBC0BB001F6}">
       <dgm:prSet phldrT="[Text]"/>
@@ -1120,10 +1236,24 @@
     <dgm:pt modelId="{BBA05B89-1698-45AC-AA3F-B58256CC313E}" type="parTrans" cxnId="{3294F235-2A18-4215-8B93-23C49C022C1C}">
       <dgm:prSet/>
       <dgm:spPr/>
+      <dgm:t>
+        <a:bodyPr/>
+        <a:lstStyle/>
+        <a:p>
+          <a:endParaRPr lang="sv-SE"/>
+        </a:p>
+      </dgm:t>
     </dgm:pt>
     <dgm:pt modelId="{52E91739-991A-40E0-92C9-24BBC006FADF}" type="sibTrans" cxnId="{3294F235-2A18-4215-8B93-23C49C022C1C}">
       <dgm:prSet/>
       <dgm:spPr/>
+      <dgm:t>
+        <a:bodyPr/>
+        <a:lstStyle/>
+        <a:p>
+          <a:endParaRPr lang="sv-SE"/>
+        </a:p>
+      </dgm:t>
     </dgm:pt>
     <dgm:pt modelId="{2249E0C0-599E-4CA8-A507-A71773DD10BC}">
       <dgm:prSet phldrT="[Text]"/>
@@ -1143,10 +1273,24 @@
     <dgm:pt modelId="{D26DD9C5-0DD8-42D4-B3EA-AE0E3C153313}" type="parTrans" cxnId="{F848E294-26AC-4953-B718-34EF17B8D0D7}">
       <dgm:prSet/>
       <dgm:spPr/>
+      <dgm:t>
+        <a:bodyPr/>
+        <a:lstStyle/>
+        <a:p>
+          <a:endParaRPr lang="sv-SE"/>
+        </a:p>
+      </dgm:t>
     </dgm:pt>
     <dgm:pt modelId="{6714F0D5-DA20-41EE-8D16-AC969DA96357}" type="sibTrans" cxnId="{F848E294-26AC-4953-B718-34EF17B8D0D7}">
       <dgm:prSet/>
       <dgm:spPr/>
+      <dgm:t>
+        <a:bodyPr/>
+        <a:lstStyle/>
+        <a:p>
+          <a:endParaRPr lang="sv-SE"/>
+        </a:p>
+      </dgm:t>
     </dgm:pt>
     <dgm:pt modelId="{8303F151-DFDD-48E5-A5EF-622578B08455}">
       <dgm:prSet phldrT="[Text]"/>
@@ -1166,10 +1310,24 @@
     <dgm:pt modelId="{99A230C9-96C5-499E-BF81-7CDEA4D798DB}" type="sibTrans" cxnId="{C2352433-EE6D-434A-B37A-5854E97BE09C}">
       <dgm:prSet/>
       <dgm:spPr/>
+      <dgm:t>
+        <a:bodyPr/>
+        <a:lstStyle/>
+        <a:p>
+          <a:endParaRPr lang="sv-SE"/>
+        </a:p>
+      </dgm:t>
     </dgm:pt>
     <dgm:pt modelId="{FB9D52D1-9C51-4AAF-B590-31B5B07C1545}" type="parTrans" cxnId="{C2352433-EE6D-434A-B37A-5854E97BE09C}">
       <dgm:prSet/>
       <dgm:spPr/>
+      <dgm:t>
+        <a:bodyPr/>
+        <a:lstStyle/>
+        <a:p>
+          <a:endParaRPr lang="sv-SE"/>
+        </a:p>
+      </dgm:t>
     </dgm:pt>
     <dgm:pt modelId="{F999114E-E492-47B2-8D2D-54A105CAD100}">
       <dgm:prSet phldrT="[Text]"/>
@@ -1189,10 +1347,24 @@
     <dgm:pt modelId="{3856FD99-6575-43D7-B58A-69F5FDF9B8D3}" type="parTrans" cxnId="{93C00D14-D34B-4C46-BD6B-D01DD4BF6DCD}">
       <dgm:prSet/>
       <dgm:spPr/>
+      <dgm:t>
+        <a:bodyPr/>
+        <a:lstStyle/>
+        <a:p>
+          <a:endParaRPr lang="sv-SE"/>
+        </a:p>
+      </dgm:t>
     </dgm:pt>
     <dgm:pt modelId="{BCEFB249-9798-4CDC-8FF1-9633DA027D7B}" type="sibTrans" cxnId="{93C00D14-D34B-4C46-BD6B-D01DD4BF6DCD}">
       <dgm:prSet/>
       <dgm:spPr/>
+      <dgm:t>
+        <a:bodyPr/>
+        <a:lstStyle/>
+        <a:p>
+          <a:endParaRPr lang="sv-SE"/>
+        </a:p>
+      </dgm:t>
     </dgm:pt>
     <dgm:pt modelId="{1DE96B34-54B8-4E16-B5DD-8F268650BD1B}">
       <dgm:prSet phldrT="[Text]"/>
@@ -1215,10 +1387,24 @@
     <dgm:pt modelId="{C08AD84E-15D9-4705-B9DE-C1942438C763}" type="parTrans" cxnId="{3A46058D-5C98-42DE-9CF1-5EF53FE0F7AE}">
       <dgm:prSet/>
       <dgm:spPr/>
+      <dgm:t>
+        <a:bodyPr/>
+        <a:lstStyle/>
+        <a:p>
+          <a:endParaRPr lang="sv-SE"/>
+        </a:p>
+      </dgm:t>
     </dgm:pt>
     <dgm:pt modelId="{1D002C55-C3DB-4B79-B35F-592D50ED1D84}" type="sibTrans" cxnId="{3A46058D-5C98-42DE-9CF1-5EF53FE0F7AE}">
       <dgm:prSet/>
       <dgm:spPr/>
+      <dgm:t>
+        <a:bodyPr/>
+        <a:lstStyle/>
+        <a:p>
+          <a:endParaRPr lang="sv-SE"/>
+        </a:p>
+      </dgm:t>
     </dgm:pt>
     <dgm:pt modelId="{82564786-BDB5-4027-B44C-9E74295644B2}">
       <dgm:prSet phldrT="[Text]"/>
@@ -1238,10 +1424,24 @@
     <dgm:pt modelId="{04D757CF-D69C-4D34-968E-A72A98CA8EF5}" type="parTrans" cxnId="{9CE9340B-29A0-4996-9104-487514648D68}">
       <dgm:prSet/>
       <dgm:spPr/>
+      <dgm:t>
+        <a:bodyPr/>
+        <a:lstStyle/>
+        <a:p>
+          <a:endParaRPr lang="sv-SE"/>
+        </a:p>
+      </dgm:t>
     </dgm:pt>
     <dgm:pt modelId="{A47D5DDA-F399-4D73-A259-DA09A2F58CD7}" type="sibTrans" cxnId="{9CE9340B-29A0-4996-9104-487514648D68}">
       <dgm:prSet/>
       <dgm:spPr/>
+      <dgm:t>
+        <a:bodyPr/>
+        <a:lstStyle/>
+        <a:p>
+          <a:endParaRPr lang="sv-SE"/>
+        </a:p>
+      </dgm:t>
     </dgm:pt>
     <dgm:pt modelId="{92019329-856F-43BA-B154-5B21622F7305}">
       <dgm:prSet phldrT="[Text]"/>
@@ -1261,10 +1461,24 @@
     <dgm:pt modelId="{4B229581-4400-4FE2-B991-C31ABAFB6FED}" type="parTrans" cxnId="{E0CCECE7-2339-4989-8633-8EC2FECDA7A6}">
       <dgm:prSet/>
       <dgm:spPr/>
+      <dgm:t>
+        <a:bodyPr/>
+        <a:lstStyle/>
+        <a:p>
+          <a:endParaRPr lang="sv-SE"/>
+        </a:p>
+      </dgm:t>
     </dgm:pt>
     <dgm:pt modelId="{9C00F4A7-A0E0-4C7E-8E7E-0ED0F2BAE6AB}" type="sibTrans" cxnId="{E0CCECE7-2339-4989-8633-8EC2FECDA7A6}">
       <dgm:prSet/>
       <dgm:spPr/>
+      <dgm:t>
+        <a:bodyPr/>
+        <a:lstStyle/>
+        <a:p>
+          <a:endParaRPr lang="sv-SE"/>
+        </a:p>
+      </dgm:t>
     </dgm:pt>
     <dgm:pt modelId="{C8A9225E-3BDE-4A40-915B-8250F8BA21AC}">
       <dgm:prSet phldrT="[Text]"/>
@@ -1284,10 +1498,24 @@
     <dgm:pt modelId="{E0A41635-589F-437D-806F-4D3A415D1B82}" type="parTrans" cxnId="{636975D7-4740-42A0-AB8C-87B6329C8A06}">
       <dgm:prSet/>
       <dgm:spPr/>
+      <dgm:t>
+        <a:bodyPr/>
+        <a:lstStyle/>
+        <a:p>
+          <a:endParaRPr lang="sv-SE"/>
+        </a:p>
+      </dgm:t>
     </dgm:pt>
     <dgm:pt modelId="{E8B40946-ED55-4440-94F8-CBBB392B4B64}" type="sibTrans" cxnId="{636975D7-4740-42A0-AB8C-87B6329C8A06}">
       <dgm:prSet/>
       <dgm:spPr/>
+      <dgm:t>
+        <a:bodyPr/>
+        <a:lstStyle/>
+        <a:p>
+          <a:endParaRPr lang="sv-SE"/>
+        </a:p>
+      </dgm:t>
     </dgm:pt>
     <dgm:pt modelId="{497E3F45-A064-4FBE-B027-A380A55A3B5F}">
       <dgm:prSet phldrT="[Text]"/>
@@ -1306,10 +1534,24 @@
     <dgm:pt modelId="{F81CF9D3-3B07-49F5-AEA3-901F5BE23FFE}" type="parTrans" cxnId="{513755E9-04A2-4DC7-A378-6819910A1945}">
       <dgm:prSet/>
       <dgm:spPr/>
+      <dgm:t>
+        <a:bodyPr/>
+        <a:lstStyle/>
+        <a:p>
+          <a:endParaRPr lang="sv-SE"/>
+        </a:p>
+      </dgm:t>
     </dgm:pt>
     <dgm:pt modelId="{3E50926A-0426-4F85-B373-2DACBCB5A5E6}" type="sibTrans" cxnId="{513755E9-04A2-4DC7-A378-6819910A1945}">
       <dgm:prSet/>
       <dgm:spPr/>
+      <dgm:t>
+        <a:bodyPr/>
+        <a:lstStyle/>
+        <a:p>
+          <a:endParaRPr lang="sv-SE"/>
+        </a:p>
+      </dgm:t>
     </dgm:pt>
     <dgm:pt modelId="{E272BAA2-743B-4D14-9F74-285F3CFB6966}">
       <dgm:prSet phldrT="[Text]"/>
@@ -1328,10 +1570,24 @@
     <dgm:pt modelId="{3BAB0FA1-51D2-4D0F-9BFC-DAF3D1E20920}" type="parTrans" cxnId="{2D42EF7C-947D-46D8-A458-1184B1B279AD}">
       <dgm:prSet/>
       <dgm:spPr/>
+      <dgm:t>
+        <a:bodyPr/>
+        <a:lstStyle/>
+        <a:p>
+          <a:endParaRPr lang="sv-SE"/>
+        </a:p>
+      </dgm:t>
     </dgm:pt>
     <dgm:pt modelId="{D6C11D37-CFDB-400E-9887-5E50DB35E571}" type="sibTrans" cxnId="{2D42EF7C-947D-46D8-A458-1184B1B279AD}">
       <dgm:prSet/>
       <dgm:spPr/>
+      <dgm:t>
+        <a:bodyPr/>
+        <a:lstStyle/>
+        <a:p>
+          <a:endParaRPr lang="sv-SE"/>
+        </a:p>
+      </dgm:t>
     </dgm:pt>
     <dgm:pt modelId="{10476F95-9A61-4963-9804-CE3BD280F281}">
       <dgm:prSet phldrT="[Text]"/>
@@ -1351,10 +1607,24 @@
     <dgm:pt modelId="{F06BBEEF-BFC8-47DE-839B-5EE8D7B89E41}" type="parTrans" cxnId="{2018F9BF-69D7-4D8E-8178-82237FEF425B}">
       <dgm:prSet/>
       <dgm:spPr/>
+      <dgm:t>
+        <a:bodyPr/>
+        <a:lstStyle/>
+        <a:p>
+          <a:endParaRPr lang="sv-SE"/>
+        </a:p>
+      </dgm:t>
     </dgm:pt>
     <dgm:pt modelId="{22E2D4DC-2E63-44F4-8E70-191B6D3BD7CF}" type="sibTrans" cxnId="{2018F9BF-69D7-4D8E-8178-82237FEF425B}">
       <dgm:prSet/>
       <dgm:spPr/>
+      <dgm:t>
+        <a:bodyPr/>
+        <a:lstStyle/>
+        <a:p>
+          <a:endParaRPr lang="sv-SE"/>
+        </a:p>
+      </dgm:t>
     </dgm:pt>
     <dgm:pt modelId="{1F875830-A560-4DE6-8B85-14D0892C13E0}" type="pres">
       <dgm:prSet presAssocID="{2E6B93AA-2E23-46CE-A05F-4973460EE9E3}" presName="theList" presStyleCnt="0">
@@ -1365,6 +1635,13 @@
         </dgm:presLayoutVars>
       </dgm:prSet>
       <dgm:spPr/>
+      <dgm:t>
+        <a:bodyPr/>
+        <a:lstStyle/>
+        <a:p>
+          <a:endParaRPr lang="sv-SE"/>
+        </a:p>
+      </dgm:t>
     </dgm:pt>
     <dgm:pt modelId="{D4B84122-FC9F-4DA2-9809-F357B9C6343E}" type="pres">
       <dgm:prSet presAssocID="{6330CE54-5875-4C67-9F5F-D120560807BF}" presName="compNode" presStyleCnt="0"/>
@@ -1407,6 +1684,13 @@
         </dgm:presLayoutVars>
       </dgm:prSet>
       <dgm:spPr/>
+      <dgm:t>
+        <a:bodyPr/>
+        <a:lstStyle/>
+        <a:p>
+          <a:endParaRPr lang="sv-SE"/>
+        </a:p>
+      </dgm:t>
     </dgm:pt>
     <dgm:pt modelId="{873012CB-B899-48A8-B359-CD9E41195EDD}" type="pres">
       <dgm:prSet presAssocID="{E1929076-149A-4CE7-8362-DB6CEC8F9450}" presName="aSpace2" presStyleCnt="0"/>
@@ -1495,6 +1779,13 @@
         </dgm:presLayoutVars>
       </dgm:prSet>
       <dgm:spPr/>
+      <dgm:t>
+        <a:bodyPr/>
+        <a:lstStyle/>
+        <a:p>
+          <a:endParaRPr lang="sv-SE"/>
+        </a:p>
+      </dgm:t>
     </dgm:pt>
     <dgm:pt modelId="{84A9EA0E-2740-46A7-9920-5490F714903E}" type="pres">
       <dgm:prSet presAssocID="{82564786-BDB5-4027-B44C-9E74295644B2}" presName="aSpace2" presStyleCnt="0"/>
@@ -1564,6 +1855,13 @@
         </dgm:presLayoutVars>
       </dgm:prSet>
       <dgm:spPr/>
+      <dgm:t>
+        <a:bodyPr/>
+        <a:lstStyle/>
+        <a:p>
+          <a:endParaRPr lang="sv-SE"/>
+        </a:p>
+      </dgm:t>
     </dgm:pt>
     <dgm:pt modelId="{8B0C955A-801D-4BAD-A6AF-09BD8B98E3F4}" type="pres">
       <dgm:prSet presAssocID="{E272BAA2-743B-4D14-9F74-285F3CFB6966}" presName="aSpace2" presStyleCnt="0"/>
@@ -1576,6 +1874,13 @@
         </dgm:presLayoutVars>
       </dgm:prSet>
       <dgm:spPr/>
+      <dgm:t>
+        <a:bodyPr/>
+        <a:lstStyle/>
+        <a:p>
+          <a:endParaRPr lang="sv-SE"/>
+        </a:p>
+      </dgm:t>
     </dgm:pt>
     <dgm:pt modelId="{1D9B4C9D-750D-4953-BF06-CEB0095D5AD0}" type="pres">
       <dgm:prSet presAssocID="{6330CE54-5875-4C67-9F5F-D120560807BF}" presName="aSpace" presStyleCnt="0"/>
@@ -1622,6 +1927,13 @@
         </dgm:presLayoutVars>
       </dgm:prSet>
       <dgm:spPr/>
+      <dgm:t>
+        <a:bodyPr/>
+        <a:lstStyle/>
+        <a:p>
+          <a:endParaRPr lang="sv-SE"/>
+        </a:p>
+      </dgm:t>
     </dgm:pt>
     <dgm:pt modelId="{1C6F0612-835A-4767-AA8F-11087E0C8809}" type="pres">
       <dgm:prSet presAssocID="{06678873-4970-414A-84E9-9DBC0BB001F6}" presName="aSpace2" presStyleCnt="0"/>
@@ -1634,6 +1946,13 @@
         </dgm:presLayoutVars>
       </dgm:prSet>
       <dgm:spPr/>
+      <dgm:t>
+        <a:bodyPr/>
+        <a:lstStyle/>
+        <a:p>
+          <a:endParaRPr lang="sv-SE"/>
+        </a:p>
+      </dgm:t>
     </dgm:pt>
     <dgm:pt modelId="{F1BF963B-2D10-452D-AC08-84226472925F}" type="pres">
       <dgm:prSet presAssocID="{A3690678-3ECF-42DF-A911-294C03814916}" presName="aSpace2" presStyleCnt="0"/>
@@ -1646,6 +1965,13 @@
         </dgm:presLayoutVars>
       </dgm:prSet>
       <dgm:spPr/>
+      <dgm:t>
+        <a:bodyPr/>
+        <a:lstStyle/>
+        <a:p>
+          <a:endParaRPr lang="sv-SE"/>
+        </a:p>
+      </dgm:t>
     </dgm:pt>
     <dgm:pt modelId="{CC26F67D-2615-48F5-B390-BDBA8DC16BA4}" type="pres">
       <dgm:prSet presAssocID="{D34FF4D0-6218-45C7-8A0D-AEEBBE76E7E2}" presName="aSpace2" presStyleCnt="0"/>
@@ -1658,6 +1984,13 @@
         </dgm:presLayoutVars>
       </dgm:prSet>
       <dgm:spPr/>
+      <dgm:t>
+        <a:bodyPr/>
+        <a:lstStyle/>
+        <a:p>
+          <a:endParaRPr lang="sv-SE"/>
+        </a:p>
+      </dgm:t>
     </dgm:pt>
     <dgm:pt modelId="{4A2C7D13-5A81-41C2-B287-607164D43F5B}" type="pres">
       <dgm:prSet presAssocID="{10476F95-9A61-4963-9804-CE3BD280F281}" presName="aSpace2" presStyleCnt="0"/>
@@ -1670,6 +2003,13 @@
         </dgm:presLayoutVars>
       </dgm:prSet>
       <dgm:spPr/>
+      <dgm:t>
+        <a:bodyPr/>
+        <a:lstStyle/>
+        <a:p>
+          <a:endParaRPr lang="sv-SE"/>
+        </a:p>
+      </dgm:t>
     </dgm:pt>
     <dgm:pt modelId="{B9EDF333-933A-40C1-AC73-FF1C4706B4AA}" type="pres">
       <dgm:prSet presAssocID="{82F05B1A-3697-4D7C-BFC7-ABC4CA95BC30}" presName="aSpace" presStyleCnt="0"/>
@@ -1682,10 +2022,24 @@
     <dgm:pt modelId="{302B8D2D-5640-4DBD-9305-2FD20D00DF00}" type="pres">
       <dgm:prSet presAssocID="{8D74ECD7-FE9B-4E0B-AE0E-A35E6E7D3F69}" presName="aNode" presStyleLbl="bgShp" presStyleIdx="2" presStyleCnt="3"/>
       <dgm:spPr/>
+      <dgm:t>
+        <a:bodyPr/>
+        <a:lstStyle/>
+        <a:p>
+          <a:endParaRPr lang="sv-SE"/>
+        </a:p>
+      </dgm:t>
     </dgm:pt>
     <dgm:pt modelId="{4FF0AC57-193A-45C7-8DE7-6F6396A5CAB9}" type="pres">
       <dgm:prSet presAssocID="{8D74ECD7-FE9B-4E0B-AE0E-A35E6E7D3F69}" presName="textNode" presStyleLbl="bgShp" presStyleIdx="2" presStyleCnt="3"/>
       <dgm:spPr/>
+      <dgm:t>
+        <a:bodyPr/>
+        <a:lstStyle/>
+        <a:p>
+          <a:endParaRPr lang="sv-SE"/>
+        </a:p>
+      </dgm:t>
     </dgm:pt>
     <dgm:pt modelId="{20D2ADEA-32D0-4D67-BA5C-650445669736}" type="pres">
       <dgm:prSet presAssocID="{8D74ECD7-FE9B-4E0B-AE0E-A35E6E7D3F69}" presName="compChildNode" presStyleCnt="0"/>
@@ -1712,50 +2066,50 @@
     </dgm:pt>
   </dgm:ptLst>
   <dgm:cxnLst>
+    <dgm:cxn modelId="{3A46058D-5C98-42DE-9CF1-5EF53FE0F7AE}" srcId="{6330CE54-5875-4C67-9F5F-D120560807BF}" destId="{1DE96B34-54B8-4E16-B5DD-8F268650BD1B}" srcOrd="4" destOrd="0" parTransId="{C08AD84E-15D9-4705-B9DE-C1942438C763}" sibTransId="{1D002C55-C3DB-4B79-B35F-592D50ED1D84}"/>
+    <dgm:cxn modelId="{4529AAC2-F21E-4FA1-92F3-78AAFC196975}" type="presOf" srcId="{1DE96B34-54B8-4E16-B5DD-8F268650BD1B}" destId="{BFFEA223-A45E-4DC1-BA9E-218B22E9B3C4}" srcOrd="0" destOrd="0" presId="urn:microsoft.com/office/officeart/2005/8/layout/lProcess2"/>
+    <dgm:cxn modelId="{933C9F20-5290-4B52-B425-69742A0EF56A}" type="presOf" srcId="{D65FC975-2EB0-4989-A785-AA7646DF549A}" destId="{4E02F41F-8EE0-4BFD-BCAC-CB7C9B6CE99E}" srcOrd="0" destOrd="0" presId="urn:microsoft.com/office/officeart/2005/8/layout/lProcess2"/>
+    <dgm:cxn modelId="{97830C8E-725C-4EA7-AA92-4F6836C5AAAC}" type="presOf" srcId="{E272BAA2-743B-4D14-9F74-285F3CFB6966}" destId="{0E619E1B-C4CF-4F05-AFE9-CFAE67A58F9F}" srcOrd="0" destOrd="0" presId="urn:microsoft.com/office/officeart/2005/8/layout/lProcess2"/>
+    <dgm:cxn modelId="{513755E9-04A2-4DC7-A378-6819910A1945}" srcId="{6330CE54-5875-4C67-9F5F-D120560807BF}" destId="{497E3F45-A064-4FBE-B027-A380A55A3B5F}" srcOrd="10" destOrd="0" parTransId="{F81CF9D3-3B07-49F5-AEA3-901F5BE23FFE}" sibTransId="{3E50926A-0426-4F85-B373-2DACBCB5A5E6}"/>
+    <dgm:cxn modelId="{FE0F0060-EC90-409C-B28A-6472198D6309}" type="presOf" srcId="{06678873-4970-414A-84E9-9DBC0BB001F6}" destId="{9D6C9127-884E-404F-865C-13ABBC2B0356}" srcOrd="0" destOrd="0" presId="urn:microsoft.com/office/officeart/2005/8/layout/lProcess2"/>
+    <dgm:cxn modelId="{D6670FFF-BD1A-4891-8F7F-FFAC28549380}" srcId="{6330CE54-5875-4C67-9F5F-D120560807BF}" destId="{E1929076-149A-4CE7-8362-DB6CEC8F9450}" srcOrd="0" destOrd="0" parTransId="{FB1D2F91-A434-4C32-923D-44B9B22097A9}" sibTransId="{21882AA3-FA02-48DF-B034-40F16F816E4B}"/>
+    <dgm:cxn modelId="{3294F235-2A18-4215-8B93-23C49C022C1C}" srcId="{82F05B1A-3697-4D7C-BFC7-ABC4CA95BC30}" destId="{06678873-4970-414A-84E9-9DBC0BB001F6}" srcOrd="0" destOrd="0" parTransId="{BBA05B89-1698-45AC-AA3F-B58256CC313E}" sibTransId="{52E91739-991A-40E0-92C9-24BBC006FADF}"/>
+    <dgm:cxn modelId="{93C00D14-D34B-4C46-BD6B-D01DD4BF6DCD}" srcId="{6330CE54-5875-4C67-9F5F-D120560807BF}" destId="{F999114E-E492-47B2-8D2D-54A105CAD100}" srcOrd="8" destOrd="0" parTransId="{3856FD99-6575-43D7-B58A-69F5FDF9B8D3}" sibTransId="{BCEFB249-9798-4CDC-8FF1-9633DA027D7B}"/>
+    <dgm:cxn modelId="{B4DCE5FE-D50D-469C-A7B9-D04EEEFD8A06}" srcId="{6330CE54-5875-4C67-9F5F-D120560807BF}" destId="{9B058005-70B1-4E8A-997A-F7398FBC1F60}" srcOrd="2" destOrd="0" parTransId="{A950E1C7-41DF-448C-BB5F-58970630AF5C}" sibTransId="{A7CCEAE9-9CEB-4965-AE8C-5F5885231800}"/>
+    <dgm:cxn modelId="{306DB47D-FBA9-4786-93DA-82A2BE348B6A}" srcId="{82F05B1A-3697-4D7C-BFC7-ABC4CA95BC30}" destId="{A3690678-3ECF-42DF-A911-294C03814916}" srcOrd="1" destOrd="0" parTransId="{C9832642-5FBC-405D-80B6-0B4E6066E44F}" sibTransId="{2BFCAF77-33A6-46D6-B4DF-94450C56CBF6}"/>
+    <dgm:cxn modelId="{DADC9129-758C-4B7C-BBEF-0C61428AB04B}" type="presOf" srcId="{D34FF4D0-6218-45C7-8A0D-AEEBBE76E7E2}" destId="{BEF1C66F-83A1-4E39-A51A-D548D74B3909}" srcOrd="0" destOrd="0" presId="urn:microsoft.com/office/officeart/2005/8/layout/lProcess2"/>
+    <dgm:cxn modelId="{2018F9BF-69D7-4D8E-8178-82237FEF425B}" srcId="{82F05B1A-3697-4D7C-BFC7-ABC4CA95BC30}" destId="{10476F95-9A61-4963-9804-CE3BD280F281}" srcOrd="3" destOrd="0" parTransId="{F06BBEEF-BFC8-47DE-839B-5EE8D7B89E41}" sibTransId="{22E2D4DC-2E63-44F4-8E70-191B6D3BD7CF}"/>
+    <dgm:cxn modelId="{9CE9340B-29A0-4996-9104-487514648D68}" srcId="{6330CE54-5875-4C67-9F5F-D120560807BF}" destId="{82564786-BDB5-4027-B44C-9E74295644B2}" srcOrd="5" destOrd="0" parTransId="{04D757CF-D69C-4D34-968E-A72A98CA8EF5}" sibTransId="{A47D5DDA-F399-4D73-A259-DA09A2F58CD7}"/>
+    <dgm:cxn modelId="{3CF080FB-99D1-4E2D-A25E-092651BD8F82}" type="presOf" srcId="{2249E0C0-599E-4CA8-A507-A71773DD10BC}" destId="{60489FA4-9170-468E-A070-BE2688CBBB19}" srcOrd="0" destOrd="0" presId="urn:microsoft.com/office/officeart/2005/8/layout/lProcess2"/>
+    <dgm:cxn modelId="{BFE05D0C-8B4F-40D5-A4FD-18071A6EABC2}" type="presOf" srcId="{4C2B714F-9A03-41D6-88CC-4FDFE0E341CE}" destId="{777B091A-FAA5-464A-8156-8F9755605DD2}" srcOrd="0" destOrd="0" presId="urn:microsoft.com/office/officeart/2005/8/layout/lProcess2"/>
+    <dgm:cxn modelId="{6750AB16-9BC5-4FED-9227-770EE6A1D6F1}" type="presOf" srcId="{82564786-BDB5-4027-B44C-9E74295644B2}" destId="{4B59E7C9-9124-4A3D-8039-DFDBD54F63C5}" srcOrd="0" destOrd="0" presId="urn:microsoft.com/office/officeart/2005/8/layout/lProcess2"/>
+    <dgm:cxn modelId="{6BFC34A0-5DAC-4E71-AF23-8C70D30846D7}" type="presOf" srcId="{6330CE54-5875-4C67-9F5F-D120560807BF}" destId="{7B4CC2F8-A9A6-4B90-95D6-58270BCC2FB4}" srcOrd="0" destOrd="0" presId="urn:microsoft.com/office/officeart/2005/8/layout/lProcess2"/>
+    <dgm:cxn modelId="{930B572D-37C1-4546-BD7A-C63E2294B76B}" type="presOf" srcId="{8D74ECD7-FE9B-4E0B-AE0E-A35E6E7D3F69}" destId="{302B8D2D-5640-4DBD-9305-2FD20D00DF00}" srcOrd="0" destOrd="0" presId="urn:microsoft.com/office/officeart/2005/8/layout/lProcess2"/>
+    <dgm:cxn modelId="{609DBEFD-387A-40A9-B9FB-75B07E2B9BEB}" type="presOf" srcId="{10476F95-9A61-4963-9804-CE3BD280F281}" destId="{613849D5-5D7F-4055-A7C8-680BD3345ED8}" srcOrd="0" destOrd="0" presId="urn:microsoft.com/office/officeart/2005/8/layout/lProcess2"/>
+    <dgm:cxn modelId="{C0EEDDF0-FA22-4882-A341-DF1CF1E68AD7}" type="presOf" srcId="{6330CE54-5875-4C67-9F5F-D120560807BF}" destId="{38D8D63D-0B00-406A-812E-CA3BBBC5C39B}" srcOrd="1" destOrd="0" presId="urn:microsoft.com/office/officeart/2005/8/layout/lProcess2"/>
     <dgm:cxn modelId="{14528345-9B06-4299-BFE2-D3C952F4C989}" type="presOf" srcId="{9B058005-70B1-4E8A-997A-F7398FBC1F60}" destId="{D58341C8-6B9D-41B4-A70F-87393CC1F54C}" srcOrd="0" destOrd="0" presId="urn:microsoft.com/office/officeart/2005/8/layout/lProcess2"/>
-    <dgm:cxn modelId="{9CE9340B-29A0-4996-9104-487514648D68}" srcId="{6330CE54-5875-4C67-9F5F-D120560807BF}" destId="{82564786-BDB5-4027-B44C-9E74295644B2}" srcOrd="5" destOrd="0" parTransId="{04D757CF-D69C-4D34-968E-A72A98CA8EF5}" sibTransId="{A47D5DDA-F399-4D73-A259-DA09A2F58CD7}"/>
+    <dgm:cxn modelId="{2D42EF7C-947D-46D8-A458-1184B1B279AD}" srcId="{6330CE54-5875-4C67-9F5F-D120560807BF}" destId="{E272BAA2-743B-4D14-9F74-285F3CFB6966}" srcOrd="9" destOrd="0" parTransId="{3BAB0FA1-51D2-4D0F-9BFC-DAF3D1E20920}" sibTransId="{D6C11D37-CFDB-400E-9887-5E50DB35E571}"/>
+    <dgm:cxn modelId="{350E2296-FC78-48DB-A3D8-3A35217E5479}" srcId="{82F05B1A-3697-4D7C-BFC7-ABC4CA95BC30}" destId="{D34FF4D0-6218-45C7-8A0D-AEEBBE76E7E2}" srcOrd="2" destOrd="0" parTransId="{325B40B3-0979-4BA7-8FCE-A5C33B2D8CF6}" sibTransId="{63666F05-3D93-4DC8-84B9-7BA039F6DC38}"/>
+    <dgm:cxn modelId="{9537DB2D-0D73-4F8B-B6B2-3D0B252B0556}" srcId="{2E6B93AA-2E23-46CE-A05F-4973460EE9E3}" destId="{6330CE54-5875-4C67-9F5F-D120560807BF}" srcOrd="0" destOrd="0" parTransId="{8F313286-8C08-4858-A6DF-CFE46474FED3}" sibTransId="{703FCCF4-688D-4C43-9F7B-A74C46F90FFA}"/>
+    <dgm:cxn modelId="{1B849B45-8F93-4AD6-BD5E-A6898F6C46CF}" type="presOf" srcId="{82F05B1A-3697-4D7C-BFC7-ABC4CA95BC30}" destId="{A49350EB-7285-4B11-BA7F-98AF47FA9F06}" srcOrd="1" destOrd="0" presId="urn:microsoft.com/office/officeart/2005/8/layout/lProcess2"/>
+    <dgm:cxn modelId="{49F52B8F-ADB4-43F1-9C3D-C4E27C13059A}" type="presOf" srcId="{92019329-856F-43BA-B154-5B21622F7305}" destId="{9821FC84-57C5-4F9D-9A3B-09B69D421957}" srcOrd="0" destOrd="0" presId="urn:microsoft.com/office/officeart/2005/8/layout/lProcess2"/>
+    <dgm:cxn modelId="{1BD88906-8D9D-4375-A5F0-1EBA82B372A3}" type="presOf" srcId="{82F05B1A-3697-4D7C-BFC7-ABC4CA95BC30}" destId="{E68718BF-F159-460D-A27B-16473989C471}" srcOrd="0" destOrd="0" presId="urn:microsoft.com/office/officeart/2005/8/layout/lProcess2"/>
+    <dgm:cxn modelId="{425475E2-0DCF-45E7-BC03-06D92B35D68E}" type="presOf" srcId="{A3690678-3ECF-42DF-A911-294C03814916}" destId="{7E5714AB-8BD4-4D54-80C5-6D0848C71224}" srcOrd="0" destOrd="0" presId="urn:microsoft.com/office/officeart/2005/8/layout/lProcess2"/>
+    <dgm:cxn modelId="{CA58AAE2-44EF-43F6-B1D5-D3CA0A70F1CA}" srcId="{6330CE54-5875-4C67-9F5F-D120560807BF}" destId="{D65FC975-2EB0-4989-A785-AA7646DF549A}" srcOrd="7" destOrd="0" parTransId="{D446A793-FE93-45E6-992A-715C51D6DDF4}" sibTransId="{ED1F81D0-CD28-4854-AD7F-BA1CB5082D1C}"/>
+    <dgm:cxn modelId="{0912AB18-EB3F-4D57-BDEB-7B74496AF26E}" srcId="{6330CE54-5875-4C67-9F5F-D120560807BF}" destId="{4C2B714F-9A03-41D6-88CC-4FDFE0E341CE}" srcOrd="6" destOrd="0" parTransId="{DBC450B8-9E4B-42B3-B60E-2989BB6F8DE9}" sibTransId="{C92AAAB0-AE27-48FF-8300-D149419D0270}"/>
+    <dgm:cxn modelId="{636975D7-4740-42A0-AB8C-87B6329C8A06}" srcId="{82F05B1A-3697-4D7C-BFC7-ABC4CA95BC30}" destId="{C8A9225E-3BDE-4A40-915B-8250F8BA21AC}" srcOrd="4" destOrd="0" parTransId="{E0A41635-589F-437D-806F-4D3A415D1B82}" sibTransId="{E8B40946-ED55-4440-94F8-CBBB392B4B64}"/>
+    <dgm:cxn modelId="{E0CCECE7-2339-4989-8633-8EC2FECDA7A6}" srcId="{8D74ECD7-FE9B-4E0B-AE0E-A35E6E7D3F69}" destId="{92019329-856F-43BA-B154-5B21622F7305}" srcOrd="0" destOrd="0" parTransId="{4B229581-4400-4FE2-B991-C31ABAFB6FED}" sibTransId="{9C00F4A7-A0E0-4C7E-8E7E-0ED0F2BAE6AB}"/>
+    <dgm:cxn modelId="{C2352433-EE6D-434A-B37A-5854E97BE09C}" srcId="{6330CE54-5875-4C67-9F5F-D120560807BF}" destId="{8303F151-DFDD-48E5-A5EF-622578B08455}" srcOrd="1" destOrd="0" parTransId="{FB9D52D1-9C51-4AAF-B590-31B5B07C1545}" sibTransId="{99A230C9-96C5-499E-BF81-7CDEA4D798DB}"/>
+    <dgm:cxn modelId="{A6652B77-308C-460E-88E3-DCD527874EB3}" srcId="{2E6B93AA-2E23-46CE-A05F-4973460EE9E3}" destId="{82F05B1A-3697-4D7C-BFC7-ABC4CA95BC30}" srcOrd="1" destOrd="0" parTransId="{191167BF-1CA0-4E79-A0AC-C2650B91CF53}" sibTransId="{DCE6194F-7DC6-43A0-ADD3-B78CB310D15C}"/>
+    <dgm:cxn modelId="{E9E52801-C6BB-4F01-B360-27CC80B2C359}" type="presOf" srcId="{8303F151-DFDD-48E5-A5EF-622578B08455}" destId="{B365F39D-976E-4BF6-8AED-75C3704071E0}" srcOrd="0" destOrd="0" presId="urn:microsoft.com/office/officeart/2005/8/layout/lProcess2"/>
+    <dgm:cxn modelId="{6411C26B-09FB-4715-85BF-2EC3677E9139}" type="presOf" srcId="{C8A9225E-3BDE-4A40-915B-8250F8BA21AC}" destId="{1E605862-1323-4E68-A294-22DC9270120A}" srcOrd="0" destOrd="0" presId="urn:microsoft.com/office/officeart/2005/8/layout/lProcess2"/>
+    <dgm:cxn modelId="{2D61AE0B-9F66-411F-8553-B3635F9F261F}" type="presOf" srcId="{8D74ECD7-FE9B-4E0B-AE0E-A35E6E7D3F69}" destId="{4FF0AC57-193A-45C7-8DE7-6F6396A5CAB9}" srcOrd="1" destOrd="0" presId="urn:microsoft.com/office/officeart/2005/8/layout/lProcess2"/>
     <dgm:cxn modelId="{17148941-33D3-4B85-960B-891744429F6E}" type="presOf" srcId="{F999114E-E492-47B2-8D2D-54A105CAD100}" destId="{368925CA-89F2-4A47-A881-C050F9F0B7A0}" srcOrd="0" destOrd="0" presId="urn:microsoft.com/office/officeart/2005/8/layout/lProcess2"/>
-    <dgm:cxn modelId="{F20C5834-5CF8-4F08-88E4-3BCD10B638AA}" type="presOf" srcId="{D34FF4D0-6218-45C7-8A0D-AEEBBE76E7E2}" destId="{BEF1C66F-83A1-4E39-A51A-D548D74B3909}" srcOrd="0" destOrd="0" presId="urn:microsoft.com/office/officeart/2005/8/layout/lProcess2"/>
-    <dgm:cxn modelId="{4529AAC2-F21E-4FA1-92F3-78AAFC196975}" type="presOf" srcId="{1DE96B34-54B8-4E16-B5DD-8F268650BD1B}" destId="{BFFEA223-A45E-4DC1-BA9E-218B22E9B3C4}" srcOrd="0" destOrd="0" presId="urn:microsoft.com/office/officeart/2005/8/layout/lProcess2"/>
+    <dgm:cxn modelId="{92A13330-1555-40FD-A160-E59A3D9F553B}" type="presOf" srcId="{E1929076-149A-4CE7-8362-DB6CEC8F9450}" destId="{E92368DD-E71C-4820-BA40-9C4F1E3B02F5}" srcOrd="0" destOrd="0" presId="urn:microsoft.com/office/officeart/2005/8/layout/lProcess2"/>
     <dgm:cxn modelId="{8362D373-CA1D-452C-80CD-6AAE214DC5AC}" type="presOf" srcId="{2E6B93AA-2E23-46CE-A05F-4973460EE9E3}" destId="{1F875830-A560-4DE6-8B85-14D0892C13E0}" srcOrd="0" destOrd="0" presId="urn:microsoft.com/office/officeart/2005/8/layout/lProcess2"/>
-    <dgm:cxn modelId="{C0EEDDF0-FA22-4882-A341-DF1CF1E68AD7}" type="presOf" srcId="{6330CE54-5875-4C67-9F5F-D120560807BF}" destId="{38D8D63D-0B00-406A-812E-CA3BBBC5C39B}" srcOrd="1" destOrd="0" presId="urn:microsoft.com/office/officeart/2005/8/layout/lProcess2"/>
-    <dgm:cxn modelId="{D6670FFF-BD1A-4891-8F7F-FFAC28549380}" srcId="{6330CE54-5875-4C67-9F5F-D120560807BF}" destId="{E1929076-149A-4CE7-8362-DB6CEC8F9450}" srcOrd="0" destOrd="0" parTransId="{FB1D2F91-A434-4C32-923D-44B9B22097A9}" sibTransId="{21882AA3-FA02-48DF-B034-40F16F816E4B}"/>
-    <dgm:cxn modelId="{A6652B77-308C-460E-88E3-DCD527874EB3}" srcId="{2E6B93AA-2E23-46CE-A05F-4973460EE9E3}" destId="{82F05B1A-3697-4D7C-BFC7-ABC4CA95BC30}" srcOrd="1" destOrd="0" parTransId="{191167BF-1CA0-4E79-A0AC-C2650B91CF53}" sibTransId="{DCE6194F-7DC6-43A0-ADD3-B78CB310D15C}"/>
-    <dgm:cxn modelId="{1B849B45-8F93-4AD6-BD5E-A6898F6C46CF}" type="presOf" srcId="{82F05B1A-3697-4D7C-BFC7-ABC4CA95BC30}" destId="{A49350EB-7285-4B11-BA7F-98AF47FA9F06}" srcOrd="1" destOrd="0" presId="urn:microsoft.com/office/officeart/2005/8/layout/lProcess2"/>
-    <dgm:cxn modelId="{1BD88906-8D9D-4375-A5F0-1EBA82B372A3}" type="presOf" srcId="{82F05B1A-3697-4D7C-BFC7-ABC4CA95BC30}" destId="{E68718BF-F159-460D-A27B-16473989C471}" srcOrd="0" destOrd="0" presId="urn:microsoft.com/office/officeart/2005/8/layout/lProcess2"/>
-    <dgm:cxn modelId="{3A46058D-5C98-42DE-9CF1-5EF53FE0F7AE}" srcId="{6330CE54-5875-4C67-9F5F-D120560807BF}" destId="{1DE96B34-54B8-4E16-B5DD-8F268650BD1B}" srcOrd="4" destOrd="0" parTransId="{C08AD84E-15D9-4705-B9DE-C1942438C763}" sibTransId="{1D002C55-C3DB-4B79-B35F-592D50ED1D84}"/>
-    <dgm:cxn modelId="{930B572D-37C1-4546-BD7A-C63E2294B76B}" type="presOf" srcId="{8D74ECD7-FE9B-4E0B-AE0E-A35E6E7D3F69}" destId="{302B8D2D-5640-4DBD-9305-2FD20D00DF00}" srcOrd="0" destOrd="0" presId="urn:microsoft.com/office/officeart/2005/8/layout/lProcess2"/>
-    <dgm:cxn modelId="{2D61AE0B-9F66-411F-8553-B3635F9F261F}" type="presOf" srcId="{8D74ECD7-FE9B-4E0B-AE0E-A35E6E7D3F69}" destId="{4FF0AC57-193A-45C7-8DE7-6F6396A5CAB9}" srcOrd="1" destOrd="0" presId="urn:microsoft.com/office/officeart/2005/8/layout/lProcess2"/>
-    <dgm:cxn modelId="{CA58AAE2-44EF-43F6-B1D5-D3CA0A70F1CA}" srcId="{6330CE54-5875-4C67-9F5F-D120560807BF}" destId="{D65FC975-2EB0-4989-A785-AA7646DF549A}" srcOrd="7" destOrd="0" parTransId="{D446A793-FE93-45E6-992A-715C51D6DDF4}" sibTransId="{ED1F81D0-CD28-4854-AD7F-BA1CB5082D1C}"/>
     <dgm:cxn modelId="{FAAFAFC2-8DE3-4D78-9322-2EE51B4E6D65}" type="presOf" srcId="{497E3F45-A064-4FBE-B027-A380A55A3B5F}" destId="{DFD7D47D-1261-41A5-AAAE-F8A9FA8E921B}" srcOrd="0" destOrd="0" presId="urn:microsoft.com/office/officeart/2005/8/layout/lProcess2"/>
-    <dgm:cxn modelId="{2018F9BF-69D7-4D8E-8178-82237FEF425B}" srcId="{82F05B1A-3697-4D7C-BFC7-ABC4CA95BC30}" destId="{10476F95-9A61-4963-9804-CE3BD280F281}" srcOrd="3" destOrd="0" parTransId="{F06BBEEF-BFC8-47DE-839B-5EE8D7B89E41}" sibTransId="{22E2D4DC-2E63-44F4-8E70-191B6D3BD7CF}"/>
-    <dgm:cxn modelId="{92A13330-1555-40FD-A160-E59A3D9F553B}" type="presOf" srcId="{E1929076-149A-4CE7-8362-DB6CEC8F9450}" destId="{E92368DD-E71C-4820-BA40-9C4F1E3B02F5}" srcOrd="0" destOrd="0" presId="urn:microsoft.com/office/officeart/2005/8/layout/lProcess2"/>
-    <dgm:cxn modelId="{90B8A473-C6B4-42F8-B5BE-C908173B4851}" type="presOf" srcId="{10476F95-9A61-4963-9804-CE3BD280F281}" destId="{613849D5-5D7F-4055-A7C8-680BD3345ED8}" srcOrd="0" destOrd="0" presId="urn:microsoft.com/office/officeart/2005/8/layout/lProcess2"/>
-    <dgm:cxn modelId="{3294F235-2A18-4215-8B93-23C49C022C1C}" srcId="{82F05B1A-3697-4D7C-BFC7-ABC4CA95BC30}" destId="{06678873-4970-414A-84E9-9DBC0BB001F6}" srcOrd="0" destOrd="0" parTransId="{BBA05B89-1698-45AC-AA3F-B58256CC313E}" sibTransId="{52E91739-991A-40E0-92C9-24BBC006FADF}"/>
-    <dgm:cxn modelId="{350E2296-FC78-48DB-A3D8-3A35217E5479}" srcId="{82F05B1A-3697-4D7C-BFC7-ABC4CA95BC30}" destId="{D34FF4D0-6218-45C7-8A0D-AEEBBE76E7E2}" srcOrd="2" destOrd="0" parTransId="{325B40B3-0979-4BA7-8FCE-A5C33B2D8CF6}" sibTransId="{63666F05-3D93-4DC8-84B9-7BA039F6DC38}"/>
-    <dgm:cxn modelId="{636975D7-4740-42A0-AB8C-87B6329C8A06}" srcId="{82F05B1A-3697-4D7C-BFC7-ABC4CA95BC30}" destId="{C8A9225E-3BDE-4A40-915B-8250F8BA21AC}" srcOrd="4" destOrd="0" parTransId="{E0A41635-589F-437D-806F-4D3A415D1B82}" sibTransId="{E8B40946-ED55-4440-94F8-CBBB392B4B64}"/>
-    <dgm:cxn modelId="{933C9F20-5290-4B52-B425-69742A0EF56A}" type="presOf" srcId="{D65FC975-2EB0-4989-A785-AA7646DF549A}" destId="{4E02F41F-8EE0-4BFD-BCAC-CB7C9B6CE99E}" srcOrd="0" destOrd="0" presId="urn:microsoft.com/office/officeart/2005/8/layout/lProcess2"/>
-    <dgm:cxn modelId="{B4DCE5FE-D50D-469C-A7B9-D04EEEFD8A06}" srcId="{6330CE54-5875-4C67-9F5F-D120560807BF}" destId="{9B058005-70B1-4E8A-997A-F7398FBC1F60}" srcOrd="2" destOrd="0" parTransId="{A950E1C7-41DF-448C-BB5F-58970630AF5C}" sibTransId="{A7CCEAE9-9CEB-4965-AE8C-5F5885231800}"/>
-    <dgm:cxn modelId="{3CF080FB-99D1-4E2D-A25E-092651BD8F82}" type="presOf" srcId="{2249E0C0-599E-4CA8-A507-A71773DD10BC}" destId="{60489FA4-9170-468E-A070-BE2688CBBB19}" srcOrd="0" destOrd="0" presId="urn:microsoft.com/office/officeart/2005/8/layout/lProcess2"/>
-    <dgm:cxn modelId="{513755E9-04A2-4DC7-A378-6819910A1945}" srcId="{6330CE54-5875-4C67-9F5F-D120560807BF}" destId="{497E3F45-A064-4FBE-B027-A380A55A3B5F}" srcOrd="10" destOrd="0" parTransId="{F81CF9D3-3B07-49F5-AEA3-901F5BE23FFE}" sibTransId="{3E50926A-0426-4F85-B373-2DACBCB5A5E6}"/>
-    <dgm:cxn modelId="{6750AB16-9BC5-4FED-9227-770EE6A1D6F1}" type="presOf" srcId="{82564786-BDB5-4027-B44C-9E74295644B2}" destId="{4B59E7C9-9124-4A3D-8039-DFDBD54F63C5}" srcOrd="0" destOrd="0" presId="urn:microsoft.com/office/officeart/2005/8/layout/lProcess2"/>
-    <dgm:cxn modelId="{49F52B8F-ADB4-43F1-9C3D-C4E27C13059A}" type="presOf" srcId="{92019329-856F-43BA-B154-5B21622F7305}" destId="{9821FC84-57C5-4F9D-9A3B-09B69D421957}" srcOrd="0" destOrd="0" presId="urn:microsoft.com/office/officeart/2005/8/layout/lProcess2"/>
-    <dgm:cxn modelId="{306DB47D-FBA9-4786-93DA-82A2BE348B6A}" srcId="{82F05B1A-3697-4D7C-BFC7-ABC4CA95BC30}" destId="{A3690678-3ECF-42DF-A911-294C03814916}" srcOrd="1" destOrd="0" parTransId="{C9832642-5FBC-405D-80B6-0B4E6066E44F}" sibTransId="{2BFCAF77-33A6-46D6-B4DF-94450C56CBF6}"/>
-    <dgm:cxn modelId="{BFE05D0C-8B4F-40D5-A4FD-18071A6EABC2}" type="presOf" srcId="{4C2B714F-9A03-41D6-88CC-4FDFE0E341CE}" destId="{777B091A-FAA5-464A-8156-8F9755605DD2}" srcOrd="0" destOrd="0" presId="urn:microsoft.com/office/officeart/2005/8/layout/lProcess2"/>
-    <dgm:cxn modelId="{59856A0A-A1A7-4E51-9630-BEA529ADC280}" type="presOf" srcId="{C8A9225E-3BDE-4A40-915B-8250F8BA21AC}" destId="{1E605862-1323-4E68-A294-22DC9270120A}" srcOrd="0" destOrd="0" presId="urn:microsoft.com/office/officeart/2005/8/layout/lProcess2"/>
-    <dgm:cxn modelId="{93C00D14-D34B-4C46-BD6B-D01DD4BF6DCD}" srcId="{6330CE54-5875-4C67-9F5F-D120560807BF}" destId="{F999114E-E492-47B2-8D2D-54A105CAD100}" srcOrd="8" destOrd="0" parTransId="{3856FD99-6575-43D7-B58A-69F5FDF9B8D3}" sibTransId="{BCEFB249-9798-4CDC-8FF1-9633DA027D7B}"/>
     <dgm:cxn modelId="{F848E294-26AC-4953-B718-34EF17B8D0D7}" srcId="{6330CE54-5875-4C67-9F5F-D120560807BF}" destId="{2249E0C0-599E-4CA8-A507-A71773DD10BC}" srcOrd="3" destOrd="0" parTransId="{D26DD9C5-0DD8-42D4-B3EA-AE0E3C153313}" sibTransId="{6714F0D5-DA20-41EE-8D16-AC969DA96357}"/>
-    <dgm:cxn modelId="{C7EADBE0-4CB5-4324-BE6C-3E5C628E1B73}" type="presOf" srcId="{06678873-4970-414A-84E9-9DBC0BB001F6}" destId="{9D6C9127-884E-404F-865C-13ABBC2B0356}" srcOrd="0" destOrd="0" presId="urn:microsoft.com/office/officeart/2005/8/layout/lProcess2"/>
-    <dgm:cxn modelId="{C2352433-EE6D-434A-B37A-5854E97BE09C}" srcId="{6330CE54-5875-4C67-9F5F-D120560807BF}" destId="{8303F151-DFDD-48E5-A5EF-622578B08455}" srcOrd="1" destOrd="0" parTransId="{FB9D52D1-9C51-4AAF-B590-31B5B07C1545}" sibTransId="{99A230C9-96C5-499E-BF81-7CDEA4D798DB}"/>
-    <dgm:cxn modelId="{E9E52801-C6BB-4F01-B360-27CC80B2C359}" type="presOf" srcId="{8303F151-DFDD-48E5-A5EF-622578B08455}" destId="{B365F39D-976E-4BF6-8AED-75C3704071E0}" srcOrd="0" destOrd="0" presId="urn:microsoft.com/office/officeart/2005/8/layout/lProcess2"/>
-    <dgm:cxn modelId="{2D42EF7C-947D-46D8-A458-1184B1B279AD}" srcId="{6330CE54-5875-4C67-9F5F-D120560807BF}" destId="{E272BAA2-743B-4D14-9F74-285F3CFB6966}" srcOrd="9" destOrd="0" parTransId="{3BAB0FA1-51D2-4D0F-9BFC-DAF3D1E20920}" sibTransId="{D6C11D37-CFDB-400E-9887-5E50DB35E571}"/>
-    <dgm:cxn modelId="{9537DB2D-0D73-4F8B-B6B2-3D0B252B0556}" srcId="{2E6B93AA-2E23-46CE-A05F-4973460EE9E3}" destId="{6330CE54-5875-4C67-9F5F-D120560807BF}" srcOrd="0" destOrd="0" parTransId="{8F313286-8C08-4858-A6DF-CFE46474FED3}" sibTransId="{703FCCF4-688D-4C43-9F7B-A74C46F90FFA}"/>
-    <dgm:cxn modelId="{97830C8E-725C-4EA7-AA92-4F6836C5AAAC}" type="presOf" srcId="{E272BAA2-743B-4D14-9F74-285F3CFB6966}" destId="{0E619E1B-C4CF-4F05-AFE9-CFAE67A58F9F}" srcOrd="0" destOrd="0" presId="urn:microsoft.com/office/officeart/2005/8/layout/lProcess2"/>
-    <dgm:cxn modelId="{0912AB18-EB3F-4D57-BDEB-7B74496AF26E}" srcId="{6330CE54-5875-4C67-9F5F-D120560807BF}" destId="{4C2B714F-9A03-41D6-88CC-4FDFE0E341CE}" srcOrd="6" destOrd="0" parTransId="{DBC450B8-9E4B-42B3-B60E-2989BB6F8DE9}" sibTransId="{C92AAAB0-AE27-48FF-8300-D149419D0270}"/>
-    <dgm:cxn modelId="{F71229A1-3F90-4035-8646-5A09AEACC508}" type="presOf" srcId="{A3690678-3ECF-42DF-A911-294C03814916}" destId="{7E5714AB-8BD4-4D54-80C5-6D0848C71224}" srcOrd="0" destOrd="0" presId="urn:microsoft.com/office/officeart/2005/8/layout/lProcess2"/>
-    <dgm:cxn modelId="{6BFC34A0-5DAC-4E71-AF23-8C70D30846D7}" type="presOf" srcId="{6330CE54-5875-4C67-9F5F-D120560807BF}" destId="{7B4CC2F8-A9A6-4B90-95D6-58270BCC2FB4}" srcOrd="0" destOrd="0" presId="urn:microsoft.com/office/officeart/2005/8/layout/lProcess2"/>
     <dgm:cxn modelId="{1DFAFB7B-44A3-4F80-8DBC-02369C600DBD}" srcId="{2E6B93AA-2E23-46CE-A05F-4973460EE9E3}" destId="{8D74ECD7-FE9B-4E0B-AE0E-A35E6E7D3F69}" srcOrd="2" destOrd="0" parTransId="{89F7E1DA-5A7F-49F5-A98F-B894045105D1}" sibTransId="{D48CE86D-0E4B-49F6-87B8-715A4A104458}"/>
-    <dgm:cxn modelId="{E0CCECE7-2339-4989-8633-8EC2FECDA7A6}" srcId="{8D74ECD7-FE9B-4E0B-AE0E-A35E6E7D3F69}" destId="{92019329-856F-43BA-B154-5B21622F7305}" srcOrd="0" destOrd="0" parTransId="{4B229581-4400-4FE2-B991-C31ABAFB6FED}" sibTransId="{9C00F4A7-A0E0-4C7E-8E7E-0ED0F2BAE6AB}"/>
     <dgm:cxn modelId="{677F0CC3-A675-48A2-9E98-16D4D455EDCE}" type="presParOf" srcId="{1F875830-A560-4DE6-8B85-14D0892C13E0}" destId="{D4B84122-FC9F-4DA2-9809-F357B9C6343E}" srcOrd="0" destOrd="0" presId="urn:microsoft.com/office/officeart/2005/8/layout/lProcess2"/>
     <dgm:cxn modelId="{7334FF33-A1C1-42EC-99F7-BE55ADD38B32}" type="presParOf" srcId="{D4B84122-FC9F-4DA2-9809-F357B9C6343E}" destId="{7B4CC2F8-A9A6-4B90-95D6-58270BCC2FB4}" srcOrd="0" destOrd="0" presId="urn:microsoft.com/office/officeart/2005/8/layout/lProcess2"/>
     <dgm:cxn modelId="{9EF7D133-A8B1-4893-BAB7-FADD6AC73811}" type="presParOf" srcId="{D4B84122-FC9F-4DA2-9809-F357B9C6343E}" destId="{38D8D63D-0B00-406A-812E-CA3BBBC5C39B}" srcOrd="1" destOrd="0" presId="urn:microsoft.com/office/officeart/2005/8/layout/lProcess2"/>
@@ -1788,15 +2142,15 @@
     <dgm:cxn modelId="{A0F8AC6B-665B-4B50-919C-6B596A85F180}" type="presParOf" srcId="{597DAD9E-0419-47BE-B0F2-3E2F2B281EDF}" destId="{A49350EB-7285-4B11-BA7F-98AF47FA9F06}" srcOrd="1" destOrd="0" presId="urn:microsoft.com/office/officeart/2005/8/layout/lProcess2"/>
     <dgm:cxn modelId="{95DA45A9-00AB-4436-AB4F-96F99E256FE6}" type="presParOf" srcId="{597DAD9E-0419-47BE-B0F2-3E2F2B281EDF}" destId="{54A6D01B-1B64-4489-8157-1E9854222B27}" srcOrd="2" destOrd="0" presId="urn:microsoft.com/office/officeart/2005/8/layout/lProcess2"/>
     <dgm:cxn modelId="{4F298FAD-A3F3-4D5D-9BF1-FBFAC028FAAB}" type="presParOf" srcId="{54A6D01B-1B64-4489-8157-1E9854222B27}" destId="{F2ECD9BF-7A7A-434D-AFED-2D1D4D70D210}" srcOrd="0" destOrd="0" presId="urn:microsoft.com/office/officeart/2005/8/layout/lProcess2"/>
-    <dgm:cxn modelId="{917C7975-9B58-43F5-8DA3-15BF0A66F74B}" type="presParOf" srcId="{F2ECD9BF-7A7A-434D-AFED-2D1D4D70D210}" destId="{9D6C9127-884E-404F-865C-13ABBC2B0356}" srcOrd="0" destOrd="0" presId="urn:microsoft.com/office/officeart/2005/8/layout/lProcess2"/>
-    <dgm:cxn modelId="{B9145D17-B477-41C1-AB58-59706DAF0EA9}" type="presParOf" srcId="{F2ECD9BF-7A7A-434D-AFED-2D1D4D70D210}" destId="{1C6F0612-835A-4767-AA8F-11087E0C8809}" srcOrd="1" destOrd="0" presId="urn:microsoft.com/office/officeart/2005/8/layout/lProcess2"/>
-    <dgm:cxn modelId="{EA7B668A-B4DC-4736-9615-086B464DF2C8}" type="presParOf" srcId="{F2ECD9BF-7A7A-434D-AFED-2D1D4D70D210}" destId="{7E5714AB-8BD4-4D54-80C5-6D0848C71224}" srcOrd="2" destOrd="0" presId="urn:microsoft.com/office/officeart/2005/8/layout/lProcess2"/>
-    <dgm:cxn modelId="{7F81BF0B-C944-4576-A855-5D54347BD679}" type="presParOf" srcId="{F2ECD9BF-7A7A-434D-AFED-2D1D4D70D210}" destId="{F1BF963B-2D10-452D-AC08-84226472925F}" srcOrd="3" destOrd="0" presId="urn:microsoft.com/office/officeart/2005/8/layout/lProcess2"/>
-    <dgm:cxn modelId="{569F4FE6-0489-4926-BAF2-38AE0EB2F2AE}" type="presParOf" srcId="{F2ECD9BF-7A7A-434D-AFED-2D1D4D70D210}" destId="{BEF1C66F-83A1-4E39-A51A-D548D74B3909}" srcOrd="4" destOrd="0" presId="urn:microsoft.com/office/officeart/2005/8/layout/lProcess2"/>
-    <dgm:cxn modelId="{1850277A-BC59-4E0D-A929-5FBD0F2F14F6}" type="presParOf" srcId="{F2ECD9BF-7A7A-434D-AFED-2D1D4D70D210}" destId="{CC26F67D-2615-48F5-B390-BDBA8DC16BA4}" srcOrd="5" destOrd="0" presId="urn:microsoft.com/office/officeart/2005/8/layout/lProcess2"/>
-    <dgm:cxn modelId="{006FFD93-EA84-4E32-B0CF-532215CDF79D}" type="presParOf" srcId="{F2ECD9BF-7A7A-434D-AFED-2D1D4D70D210}" destId="{613849D5-5D7F-4055-A7C8-680BD3345ED8}" srcOrd="6" destOrd="0" presId="urn:microsoft.com/office/officeart/2005/8/layout/lProcess2"/>
-    <dgm:cxn modelId="{A735B18B-6EFD-4A17-BBC9-DB14FE696304}" type="presParOf" srcId="{F2ECD9BF-7A7A-434D-AFED-2D1D4D70D210}" destId="{4A2C7D13-5A81-41C2-B287-607164D43F5B}" srcOrd="7" destOrd="0" presId="urn:microsoft.com/office/officeart/2005/8/layout/lProcess2"/>
-    <dgm:cxn modelId="{529BE91C-1B0C-4CF6-9888-C8014689C3B5}" type="presParOf" srcId="{F2ECD9BF-7A7A-434D-AFED-2D1D4D70D210}" destId="{1E605862-1323-4E68-A294-22DC9270120A}" srcOrd="8" destOrd="0" presId="urn:microsoft.com/office/officeart/2005/8/layout/lProcess2"/>
+    <dgm:cxn modelId="{89013EB1-CFEC-4835-AF82-D54E4ABE2BD5}" type="presParOf" srcId="{F2ECD9BF-7A7A-434D-AFED-2D1D4D70D210}" destId="{9D6C9127-884E-404F-865C-13ABBC2B0356}" srcOrd="0" destOrd="0" presId="urn:microsoft.com/office/officeart/2005/8/layout/lProcess2"/>
+    <dgm:cxn modelId="{C3DDC4D5-F723-4694-8F9A-C3F75BEFE474}" type="presParOf" srcId="{F2ECD9BF-7A7A-434D-AFED-2D1D4D70D210}" destId="{1C6F0612-835A-4767-AA8F-11087E0C8809}" srcOrd="1" destOrd="0" presId="urn:microsoft.com/office/officeart/2005/8/layout/lProcess2"/>
+    <dgm:cxn modelId="{E9F59352-015A-4BA2-9C07-DF13D1FCA84F}" type="presParOf" srcId="{F2ECD9BF-7A7A-434D-AFED-2D1D4D70D210}" destId="{7E5714AB-8BD4-4D54-80C5-6D0848C71224}" srcOrd="2" destOrd="0" presId="urn:microsoft.com/office/officeart/2005/8/layout/lProcess2"/>
+    <dgm:cxn modelId="{FEED5C22-CBA6-4218-AD5B-E3211E04A0C6}" type="presParOf" srcId="{F2ECD9BF-7A7A-434D-AFED-2D1D4D70D210}" destId="{F1BF963B-2D10-452D-AC08-84226472925F}" srcOrd="3" destOrd="0" presId="urn:microsoft.com/office/officeart/2005/8/layout/lProcess2"/>
+    <dgm:cxn modelId="{54300EA4-2571-4C35-96E7-02E04A63B3AB}" type="presParOf" srcId="{F2ECD9BF-7A7A-434D-AFED-2D1D4D70D210}" destId="{BEF1C66F-83A1-4E39-A51A-D548D74B3909}" srcOrd="4" destOrd="0" presId="urn:microsoft.com/office/officeart/2005/8/layout/lProcess2"/>
+    <dgm:cxn modelId="{91009186-786E-4E4B-B5BC-FDFD8594BE10}" type="presParOf" srcId="{F2ECD9BF-7A7A-434D-AFED-2D1D4D70D210}" destId="{CC26F67D-2615-48F5-B390-BDBA8DC16BA4}" srcOrd="5" destOrd="0" presId="urn:microsoft.com/office/officeart/2005/8/layout/lProcess2"/>
+    <dgm:cxn modelId="{23A1BDA4-6870-4B8B-B631-819CF1E6249E}" type="presParOf" srcId="{F2ECD9BF-7A7A-434D-AFED-2D1D4D70D210}" destId="{613849D5-5D7F-4055-A7C8-680BD3345ED8}" srcOrd="6" destOrd="0" presId="urn:microsoft.com/office/officeart/2005/8/layout/lProcess2"/>
+    <dgm:cxn modelId="{AC7FA086-2351-4990-888D-68F4FD6EFBA2}" type="presParOf" srcId="{F2ECD9BF-7A7A-434D-AFED-2D1D4D70D210}" destId="{4A2C7D13-5A81-41C2-B287-607164D43F5B}" srcOrd="7" destOrd="0" presId="urn:microsoft.com/office/officeart/2005/8/layout/lProcess2"/>
+    <dgm:cxn modelId="{C3BD8A5C-C9BF-41A9-9262-323B27750741}" type="presParOf" srcId="{F2ECD9BF-7A7A-434D-AFED-2D1D4D70D210}" destId="{1E605862-1323-4E68-A294-22DC9270120A}" srcOrd="8" destOrd="0" presId="urn:microsoft.com/office/officeart/2005/8/layout/lProcess2"/>
     <dgm:cxn modelId="{70A168C6-7F86-4E1A-A5E8-5530B60A6199}" type="presParOf" srcId="{1F875830-A560-4DE6-8B85-14D0892C13E0}" destId="{B9EDF333-933A-40C1-AC73-FF1C4706B4AA}" srcOrd="3" destOrd="0" presId="urn:microsoft.com/office/officeart/2005/8/layout/lProcess2"/>
     <dgm:cxn modelId="{1A25E350-AEBB-4C1D-B34B-F1633F59EB5C}" type="presParOf" srcId="{1F875830-A560-4DE6-8B85-14D0892C13E0}" destId="{4658FE70-0196-4CA1-9B95-A303534A9BB2}" srcOrd="4" destOrd="0" presId="urn:microsoft.com/office/officeart/2005/8/layout/lProcess2"/>
     <dgm:cxn modelId="{BE4DC9B8-F5B3-4F65-BC53-72CE91D052DE}" type="presParOf" srcId="{4658FE70-0196-4CA1-9B95-A303534A9BB2}" destId="{302B8D2D-5640-4DBD-9305-2FD20D00DF00}" srcOrd="0" destOrd="0" presId="urn:microsoft.com/office/officeart/2005/8/layout/lProcess2"/>
@@ -2834,9 +3188,8 @@
           </a:pPr>
           <a:r>
             <a:rPr lang="sv-SE" sz="4200" kern="1200" dirty="0" smtClean="0"/>
-            <a:t>Services</a:t>
+            <a:t>Service containers</a:t>
           </a:r>
-          <a:endParaRPr lang="sv-SE" sz="4200" kern="1200" dirty="0"/>
         </a:p>
       </dsp:txBody>
       <dsp:txXfrm>
@@ -4802,7 +5155,7 @@
           <a:p>
             <a:fld id="{886FC345-D96F-49DE-BDE9-B0D10F025DE1}" type="datetimeFigureOut">
               <a:rPr lang="sv-SE" smtClean="0"/>
-              <a:t>2018-06-14</a:t>
+              <a:t>2018-06-15</a:t>
             </a:fld>
             <a:endParaRPr lang="sv-SE"/>
           </a:p>
@@ -4972,7 +5325,7 @@
           <a:p>
             <a:fld id="{886FC345-D96F-49DE-BDE9-B0D10F025DE1}" type="datetimeFigureOut">
               <a:rPr lang="sv-SE" smtClean="0"/>
-              <a:t>2018-06-14</a:t>
+              <a:t>2018-06-15</a:t>
             </a:fld>
             <a:endParaRPr lang="sv-SE"/>
           </a:p>
@@ -5152,7 +5505,7 @@
           <a:p>
             <a:fld id="{886FC345-D96F-49DE-BDE9-B0D10F025DE1}" type="datetimeFigureOut">
               <a:rPr lang="sv-SE" smtClean="0"/>
-              <a:t>2018-06-14</a:t>
+              <a:t>2018-06-15</a:t>
             </a:fld>
             <a:endParaRPr lang="sv-SE"/>
           </a:p>
@@ -5322,7 +5675,7 @@
           <a:p>
             <a:fld id="{886FC345-D96F-49DE-BDE9-B0D10F025DE1}" type="datetimeFigureOut">
               <a:rPr lang="sv-SE" smtClean="0"/>
-              <a:t>2018-06-14</a:t>
+              <a:t>2018-06-15</a:t>
             </a:fld>
             <a:endParaRPr lang="sv-SE"/>
           </a:p>
@@ -5568,7 +5921,7 @@
           <a:p>
             <a:fld id="{886FC345-D96F-49DE-BDE9-B0D10F025DE1}" type="datetimeFigureOut">
               <a:rPr lang="sv-SE" smtClean="0"/>
-              <a:t>2018-06-14</a:t>
+              <a:t>2018-06-15</a:t>
             </a:fld>
             <a:endParaRPr lang="sv-SE"/>
           </a:p>
@@ -5800,7 +6153,7 @@
           <a:p>
             <a:fld id="{886FC345-D96F-49DE-BDE9-B0D10F025DE1}" type="datetimeFigureOut">
               <a:rPr lang="sv-SE" smtClean="0"/>
-              <a:t>2018-06-14</a:t>
+              <a:t>2018-06-15</a:t>
             </a:fld>
             <a:endParaRPr lang="sv-SE"/>
           </a:p>
@@ -6167,7 +6520,7 @@
           <a:p>
             <a:fld id="{886FC345-D96F-49DE-BDE9-B0D10F025DE1}" type="datetimeFigureOut">
               <a:rPr lang="sv-SE" smtClean="0"/>
-              <a:t>2018-06-14</a:t>
+              <a:t>2018-06-15</a:t>
             </a:fld>
             <a:endParaRPr lang="sv-SE"/>
           </a:p>
@@ -6285,7 +6638,7 @@
           <a:p>
             <a:fld id="{886FC345-D96F-49DE-BDE9-B0D10F025DE1}" type="datetimeFigureOut">
               <a:rPr lang="sv-SE" smtClean="0"/>
-              <a:t>2018-06-14</a:t>
+              <a:t>2018-06-15</a:t>
             </a:fld>
             <a:endParaRPr lang="sv-SE"/>
           </a:p>
@@ -6380,7 +6733,7 @@
           <a:p>
             <a:fld id="{886FC345-D96F-49DE-BDE9-B0D10F025DE1}" type="datetimeFigureOut">
               <a:rPr lang="sv-SE" smtClean="0"/>
-              <a:t>2018-06-14</a:t>
+              <a:t>2018-06-15</a:t>
             </a:fld>
             <a:endParaRPr lang="sv-SE"/>
           </a:p>
@@ -6657,7 +7010,7 @@
           <a:p>
             <a:fld id="{886FC345-D96F-49DE-BDE9-B0D10F025DE1}" type="datetimeFigureOut">
               <a:rPr lang="sv-SE" smtClean="0"/>
-              <a:t>2018-06-14</a:t>
+              <a:t>2018-06-15</a:t>
             </a:fld>
             <a:endParaRPr lang="sv-SE"/>
           </a:p>
@@ -6910,7 +7263,7 @@
           <a:p>
             <a:fld id="{886FC345-D96F-49DE-BDE9-B0D10F025DE1}" type="datetimeFigureOut">
               <a:rPr lang="sv-SE" smtClean="0"/>
-              <a:t>2018-06-14</a:t>
+              <a:t>2018-06-15</a:t>
             </a:fld>
             <a:endParaRPr lang="sv-SE"/>
           </a:p>
@@ -7123,7 +7476,7 @@
           <a:p>
             <a:fld id="{886FC345-D96F-49DE-BDE9-B0D10F025DE1}" type="datetimeFigureOut">
               <a:rPr lang="sv-SE" smtClean="0"/>
-              <a:t>2018-06-14</a:t>
+              <a:t>2018-06-15</a:t>
             </a:fld>
             <a:endParaRPr lang="sv-SE"/>
           </a:p>
@@ -7606,7 +7959,7 @@
             <p:ph idx="1"/>
             <p:extLst>
               <p:ext uri="{D42A27DB-BD31-4B8C-83A1-F6EECF244321}">
-                <p14:modId xmlns:p14="http://schemas.microsoft.com/office/powerpoint/2010/main" val="2411556653"/>
+                <p14:modId xmlns:p14="http://schemas.microsoft.com/office/powerpoint/2010/main" val="3420395631"/>
               </p:ext>
             </p:extLst>
           </p:nvPr>

--- a/docs/SCF_instance.pptx
+++ b/docs/SCF_instance.pptx
@@ -1626,6 +1626,83 @@
         </a:p>
       </dgm:t>
     </dgm:pt>
+    <dgm:pt modelId="{97C0645A-4449-47F2-AFFE-40279B8B40ED}">
+      <dgm:prSet phldrT="[Text]"/>
+      <dgm:spPr/>
+      <dgm:t>
+        <a:bodyPr/>
+        <a:lstStyle/>
+        <a:p>
+          <a:r>
+            <a:rPr lang="sv-SE" dirty="0" smtClean="0"/>
+            <a:t>Service </a:t>
+          </a:r>
+          <a:r>
+            <a:rPr lang="sv-SE" dirty="0" err="1" smtClean="0"/>
+            <a:t>Gateway</a:t>
+          </a:r>
+          <a:endParaRPr lang="sv-SE" dirty="0"/>
+        </a:p>
+      </dgm:t>
+    </dgm:pt>
+    <dgm:pt modelId="{2DD0B06D-E915-464B-986D-6B1D2BAF4B54}" type="parTrans" cxnId="{BEF24140-F97F-4F82-8411-08A9ADE0AE5A}">
+      <dgm:prSet/>
+      <dgm:spPr/>
+    </dgm:pt>
+    <dgm:pt modelId="{DF00079F-7FAC-4C82-B07A-C92834EEDEE1}" type="sibTrans" cxnId="{BEF24140-F97F-4F82-8411-08A9ADE0AE5A}">
+      <dgm:prSet/>
+      <dgm:spPr/>
+    </dgm:pt>
+    <dgm:pt modelId="{1CBE3091-CED7-44FD-A047-F252ECC2CE8F}">
+      <dgm:prSet phldrT="[Text]"/>
+      <dgm:spPr/>
+      <dgm:t>
+        <a:bodyPr/>
+        <a:lstStyle/>
+        <a:p>
+          <a:r>
+            <a:rPr lang="sv-SE" dirty="0" smtClean="0"/>
+            <a:t>Task </a:t>
+          </a:r>
+          <a:r>
+            <a:rPr lang="sv-SE" dirty="0" err="1" smtClean="0"/>
+            <a:t>Scheduler</a:t>
+          </a:r>
+          <a:endParaRPr lang="sv-SE" dirty="0"/>
+        </a:p>
+      </dgm:t>
+    </dgm:pt>
+    <dgm:pt modelId="{F050D361-822E-4DA6-8534-9E615E166B67}" type="parTrans" cxnId="{0B2CC834-AAB7-4F36-AB35-E38E2A7F98D9}">
+      <dgm:prSet/>
+      <dgm:spPr/>
+    </dgm:pt>
+    <dgm:pt modelId="{DAE54B77-5D56-46A6-AC3C-FB388B8240F3}" type="sibTrans" cxnId="{0B2CC834-AAB7-4F36-AB35-E38E2A7F98D9}">
+      <dgm:prSet/>
+      <dgm:spPr/>
+    </dgm:pt>
+    <dgm:pt modelId="{AFB213B9-642E-4681-AB4F-8BCE3AF6595B}">
+      <dgm:prSet phldrT="[Text]"/>
+      <dgm:spPr/>
+      <dgm:t>
+        <a:bodyPr/>
+        <a:lstStyle/>
+        <a:p>
+          <a:r>
+            <a:rPr lang="sv-SE" dirty="0" smtClean="0"/>
+            <a:t>…</a:t>
+          </a:r>
+          <a:endParaRPr lang="sv-SE" dirty="0"/>
+        </a:p>
+      </dgm:t>
+    </dgm:pt>
+    <dgm:pt modelId="{F059B162-4EB9-41E0-B351-056FF4F988B8}" type="parTrans" cxnId="{E4ACA82E-86A8-4E59-82B8-05BE100F76D9}">
+      <dgm:prSet/>
+      <dgm:spPr/>
+    </dgm:pt>
+    <dgm:pt modelId="{B55D9E02-8828-485D-B5E0-06488266AE0D}" type="sibTrans" cxnId="{E4ACA82E-86A8-4E59-82B8-05BE100F76D9}">
+      <dgm:prSet/>
+      <dgm:spPr/>
+    </dgm:pt>
     <dgm:pt modelId="{1F875830-A560-4DE6-8B85-14D0892C13E0}" type="pres">
       <dgm:prSet presAssocID="{2E6B93AA-2E23-46CE-A05F-4973460EE9E3}" presName="theList" presStyleCnt="0">
         <dgm:presLayoutVars>
@@ -1678,7 +1755,7 @@
       <dgm:spPr/>
     </dgm:pt>
     <dgm:pt modelId="{E92368DD-E71C-4820-BA40-9C4F1E3B02F5}" type="pres">
-      <dgm:prSet presAssocID="{E1929076-149A-4CE7-8362-DB6CEC8F9450}" presName="childNode" presStyleLbl="node1" presStyleIdx="0" presStyleCnt="17">
+      <dgm:prSet presAssocID="{E1929076-149A-4CE7-8362-DB6CEC8F9450}" presName="childNode" presStyleLbl="node1" presStyleIdx="0" presStyleCnt="20">
         <dgm:presLayoutVars>
           <dgm:bulletEnabled val="1"/>
         </dgm:presLayoutVars>
@@ -1697,7 +1774,7 @@
       <dgm:spPr/>
     </dgm:pt>
     <dgm:pt modelId="{B365F39D-976E-4BF6-8AED-75C3704071E0}" type="pres">
-      <dgm:prSet presAssocID="{8303F151-DFDD-48E5-A5EF-622578B08455}" presName="childNode" presStyleLbl="node1" presStyleIdx="1" presStyleCnt="17">
+      <dgm:prSet presAssocID="{8303F151-DFDD-48E5-A5EF-622578B08455}" presName="childNode" presStyleLbl="node1" presStyleIdx="1" presStyleCnt="20">
         <dgm:presLayoutVars>
           <dgm:bulletEnabled val="1"/>
         </dgm:presLayoutVars>
@@ -1716,7 +1793,7 @@
       <dgm:spPr/>
     </dgm:pt>
     <dgm:pt modelId="{D58341C8-6B9D-41B4-A70F-87393CC1F54C}" type="pres">
-      <dgm:prSet presAssocID="{9B058005-70B1-4E8A-997A-F7398FBC1F60}" presName="childNode" presStyleLbl="node1" presStyleIdx="2" presStyleCnt="17">
+      <dgm:prSet presAssocID="{9B058005-70B1-4E8A-997A-F7398FBC1F60}" presName="childNode" presStyleLbl="node1" presStyleIdx="2" presStyleCnt="20">
         <dgm:presLayoutVars>
           <dgm:bulletEnabled val="1"/>
         </dgm:presLayoutVars>
@@ -1735,7 +1812,7 @@
       <dgm:spPr/>
     </dgm:pt>
     <dgm:pt modelId="{60489FA4-9170-468E-A070-BE2688CBBB19}" type="pres">
-      <dgm:prSet presAssocID="{2249E0C0-599E-4CA8-A507-A71773DD10BC}" presName="childNode" presStyleLbl="node1" presStyleIdx="3" presStyleCnt="17">
+      <dgm:prSet presAssocID="{2249E0C0-599E-4CA8-A507-A71773DD10BC}" presName="childNode" presStyleLbl="node1" presStyleIdx="3" presStyleCnt="20">
         <dgm:presLayoutVars>
           <dgm:bulletEnabled val="1"/>
         </dgm:presLayoutVars>
@@ -1754,7 +1831,7 @@
       <dgm:spPr/>
     </dgm:pt>
     <dgm:pt modelId="{BFFEA223-A45E-4DC1-BA9E-218B22E9B3C4}" type="pres">
-      <dgm:prSet presAssocID="{1DE96B34-54B8-4E16-B5DD-8F268650BD1B}" presName="childNode" presStyleLbl="node1" presStyleIdx="4" presStyleCnt="17">
+      <dgm:prSet presAssocID="{1DE96B34-54B8-4E16-B5DD-8F268650BD1B}" presName="childNode" presStyleLbl="node1" presStyleIdx="4" presStyleCnt="20">
         <dgm:presLayoutVars>
           <dgm:bulletEnabled val="1"/>
         </dgm:presLayoutVars>
@@ -1773,7 +1850,7 @@
       <dgm:spPr/>
     </dgm:pt>
     <dgm:pt modelId="{4B59E7C9-9124-4A3D-8039-DFDBD54F63C5}" type="pres">
-      <dgm:prSet presAssocID="{82564786-BDB5-4027-B44C-9E74295644B2}" presName="childNode" presStyleLbl="node1" presStyleIdx="5" presStyleCnt="17">
+      <dgm:prSet presAssocID="{82564786-BDB5-4027-B44C-9E74295644B2}" presName="childNode" presStyleLbl="node1" presStyleIdx="5" presStyleCnt="20">
         <dgm:presLayoutVars>
           <dgm:bulletEnabled val="1"/>
         </dgm:presLayoutVars>
@@ -1792,7 +1869,7 @@
       <dgm:spPr/>
     </dgm:pt>
     <dgm:pt modelId="{777B091A-FAA5-464A-8156-8F9755605DD2}" type="pres">
-      <dgm:prSet presAssocID="{4C2B714F-9A03-41D6-88CC-4FDFE0E341CE}" presName="childNode" presStyleLbl="node1" presStyleIdx="6" presStyleCnt="17">
+      <dgm:prSet presAssocID="{4C2B714F-9A03-41D6-88CC-4FDFE0E341CE}" presName="childNode" presStyleLbl="node1" presStyleIdx="6" presStyleCnt="20">
         <dgm:presLayoutVars>
           <dgm:bulletEnabled val="1"/>
         </dgm:presLayoutVars>
@@ -1811,7 +1888,7 @@
       <dgm:spPr/>
     </dgm:pt>
     <dgm:pt modelId="{4E02F41F-8EE0-4BFD-BCAC-CB7C9B6CE99E}" type="pres">
-      <dgm:prSet presAssocID="{D65FC975-2EB0-4989-A785-AA7646DF549A}" presName="childNode" presStyleLbl="node1" presStyleIdx="7" presStyleCnt="17">
+      <dgm:prSet presAssocID="{D65FC975-2EB0-4989-A785-AA7646DF549A}" presName="childNode" presStyleLbl="node1" presStyleIdx="7" presStyleCnt="20">
         <dgm:presLayoutVars>
           <dgm:bulletEnabled val="1"/>
         </dgm:presLayoutVars>
@@ -1830,7 +1907,7 @@
       <dgm:spPr/>
     </dgm:pt>
     <dgm:pt modelId="{368925CA-89F2-4A47-A881-C050F9F0B7A0}" type="pres">
-      <dgm:prSet presAssocID="{F999114E-E492-47B2-8D2D-54A105CAD100}" presName="childNode" presStyleLbl="node1" presStyleIdx="8" presStyleCnt="17">
+      <dgm:prSet presAssocID="{F999114E-E492-47B2-8D2D-54A105CAD100}" presName="childNode" presStyleLbl="node1" presStyleIdx="8" presStyleCnt="20">
         <dgm:presLayoutVars>
           <dgm:bulletEnabled val="1"/>
         </dgm:presLayoutVars>
@@ -1849,7 +1926,7 @@
       <dgm:spPr/>
     </dgm:pt>
     <dgm:pt modelId="{0E619E1B-C4CF-4F05-AFE9-CFAE67A58F9F}" type="pres">
-      <dgm:prSet presAssocID="{E272BAA2-743B-4D14-9F74-285F3CFB6966}" presName="childNode" presStyleLbl="node1" presStyleIdx="9" presStyleCnt="17">
+      <dgm:prSet presAssocID="{E272BAA2-743B-4D14-9F74-285F3CFB6966}" presName="childNode" presStyleLbl="node1" presStyleIdx="9" presStyleCnt="20">
         <dgm:presLayoutVars>
           <dgm:bulletEnabled val="1"/>
         </dgm:presLayoutVars>
@@ -1868,7 +1945,7 @@
       <dgm:spPr/>
     </dgm:pt>
     <dgm:pt modelId="{DFD7D47D-1261-41A5-AAAE-F8A9FA8E921B}" type="pres">
-      <dgm:prSet presAssocID="{497E3F45-A064-4FBE-B027-A380A55A3B5F}" presName="childNode" presStyleLbl="node1" presStyleIdx="10" presStyleCnt="17">
+      <dgm:prSet presAssocID="{497E3F45-A064-4FBE-B027-A380A55A3B5F}" presName="childNode" presStyleLbl="node1" presStyleIdx="10" presStyleCnt="20">
         <dgm:presLayoutVars>
           <dgm:bulletEnabled val="1"/>
         </dgm:presLayoutVars>
@@ -1921,7 +1998,7 @@
       <dgm:spPr/>
     </dgm:pt>
     <dgm:pt modelId="{9D6C9127-884E-404F-865C-13ABBC2B0356}" type="pres">
-      <dgm:prSet presAssocID="{06678873-4970-414A-84E9-9DBC0BB001F6}" presName="childNode" presStyleLbl="node1" presStyleIdx="11" presStyleCnt="17">
+      <dgm:prSet presAssocID="{06678873-4970-414A-84E9-9DBC0BB001F6}" presName="childNode" presStyleLbl="node1" presStyleIdx="11" presStyleCnt="20">
         <dgm:presLayoutVars>
           <dgm:bulletEnabled val="1"/>
         </dgm:presLayoutVars>
@@ -1940,7 +2017,7 @@
       <dgm:spPr/>
     </dgm:pt>
     <dgm:pt modelId="{7E5714AB-8BD4-4D54-80C5-6D0848C71224}" type="pres">
-      <dgm:prSet presAssocID="{A3690678-3ECF-42DF-A911-294C03814916}" presName="childNode" presStyleLbl="node1" presStyleIdx="12" presStyleCnt="17">
+      <dgm:prSet presAssocID="{A3690678-3ECF-42DF-A911-294C03814916}" presName="childNode" presStyleLbl="node1" presStyleIdx="12" presStyleCnt="20">
         <dgm:presLayoutVars>
           <dgm:bulletEnabled val="1"/>
         </dgm:presLayoutVars>
@@ -1959,7 +2036,7 @@
       <dgm:spPr/>
     </dgm:pt>
     <dgm:pt modelId="{BEF1C66F-83A1-4E39-A51A-D548D74B3909}" type="pres">
-      <dgm:prSet presAssocID="{D34FF4D0-6218-45C7-8A0D-AEEBBE76E7E2}" presName="childNode" presStyleLbl="node1" presStyleIdx="13" presStyleCnt="17">
+      <dgm:prSet presAssocID="{D34FF4D0-6218-45C7-8A0D-AEEBBE76E7E2}" presName="childNode" presStyleLbl="node1" presStyleIdx="13" presStyleCnt="20">
         <dgm:presLayoutVars>
           <dgm:bulletEnabled val="1"/>
         </dgm:presLayoutVars>
@@ -1978,7 +2055,7 @@
       <dgm:spPr/>
     </dgm:pt>
     <dgm:pt modelId="{613849D5-5D7F-4055-A7C8-680BD3345ED8}" type="pres">
-      <dgm:prSet presAssocID="{10476F95-9A61-4963-9804-CE3BD280F281}" presName="childNode" presStyleLbl="node1" presStyleIdx="14" presStyleCnt="17">
+      <dgm:prSet presAssocID="{10476F95-9A61-4963-9804-CE3BD280F281}" presName="childNode" presStyleLbl="node1" presStyleIdx="14" presStyleCnt="20">
         <dgm:presLayoutVars>
           <dgm:bulletEnabled val="1"/>
         </dgm:presLayoutVars>
@@ -1997,7 +2074,7 @@
       <dgm:spPr/>
     </dgm:pt>
     <dgm:pt modelId="{1E605862-1323-4E68-A294-22DC9270120A}" type="pres">
-      <dgm:prSet presAssocID="{C8A9225E-3BDE-4A40-915B-8250F8BA21AC}" presName="childNode" presStyleLbl="node1" presStyleIdx="15" presStyleCnt="17">
+      <dgm:prSet presAssocID="{C8A9225E-3BDE-4A40-915B-8250F8BA21AC}" presName="childNode" presStyleLbl="node1" presStyleIdx="15" presStyleCnt="20">
         <dgm:presLayoutVars>
           <dgm:bulletEnabled val="1"/>
         </dgm:presLayoutVars>
@@ -2050,7 +2127,64 @@
       <dgm:spPr/>
     </dgm:pt>
     <dgm:pt modelId="{9821FC84-57C5-4F9D-9A3B-09B69D421957}" type="pres">
-      <dgm:prSet presAssocID="{92019329-856F-43BA-B154-5B21622F7305}" presName="childNode" presStyleLbl="node1" presStyleIdx="16" presStyleCnt="17">
+      <dgm:prSet presAssocID="{92019329-856F-43BA-B154-5B21622F7305}" presName="childNode" presStyleLbl="node1" presStyleIdx="16" presStyleCnt="20">
+        <dgm:presLayoutVars>
+          <dgm:bulletEnabled val="1"/>
+        </dgm:presLayoutVars>
+      </dgm:prSet>
+      <dgm:spPr/>
+      <dgm:t>
+        <a:bodyPr/>
+        <a:lstStyle/>
+        <a:p>
+          <a:endParaRPr lang="sv-SE"/>
+        </a:p>
+      </dgm:t>
+    </dgm:pt>
+    <dgm:pt modelId="{0CB7D4F2-8359-4912-A9A8-1993C2B36EE8}" type="pres">
+      <dgm:prSet presAssocID="{92019329-856F-43BA-B154-5B21622F7305}" presName="aSpace2" presStyleCnt="0"/>
+      <dgm:spPr/>
+    </dgm:pt>
+    <dgm:pt modelId="{AB65D6E2-EF17-4958-88DB-F5DD5FDCF8EF}" type="pres">
+      <dgm:prSet presAssocID="{97C0645A-4449-47F2-AFFE-40279B8B40ED}" presName="childNode" presStyleLbl="node1" presStyleIdx="17" presStyleCnt="20">
+        <dgm:presLayoutVars>
+          <dgm:bulletEnabled val="1"/>
+        </dgm:presLayoutVars>
+      </dgm:prSet>
+      <dgm:spPr/>
+      <dgm:t>
+        <a:bodyPr/>
+        <a:lstStyle/>
+        <a:p>
+          <a:endParaRPr lang="sv-SE"/>
+        </a:p>
+      </dgm:t>
+    </dgm:pt>
+    <dgm:pt modelId="{665CAF85-8707-40F7-B966-E24DD27FE153}" type="pres">
+      <dgm:prSet presAssocID="{97C0645A-4449-47F2-AFFE-40279B8B40ED}" presName="aSpace2" presStyleCnt="0"/>
+      <dgm:spPr/>
+    </dgm:pt>
+    <dgm:pt modelId="{DC79FB3A-3C8A-40DF-822B-A025C198677E}" type="pres">
+      <dgm:prSet presAssocID="{1CBE3091-CED7-44FD-A047-F252ECC2CE8F}" presName="childNode" presStyleLbl="node1" presStyleIdx="18" presStyleCnt="20">
+        <dgm:presLayoutVars>
+          <dgm:bulletEnabled val="1"/>
+        </dgm:presLayoutVars>
+      </dgm:prSet>
+      <dgm:spPr/>
+      <dgm:t>
+        <a:bodyPr/>
+        <a:lstStyle/>
+        <a:p>
+          <a:endParaRPr lang="sv-SE"/>
+        </a:p>
+      </dgm:t>
+    </dgm:pt>
+    <dgm:pt modelId="{978E9601-B872-46F5-9211-B9A0D31B048F}" type="pres">
+      <dgm:prSet presAssocID="{1CBE3091-CED7-44FD-A047-F252ECC2CE8F}" presName="aSpace2" presStyleCnt="0"/>
+      <dgm:spPr/>
+    </dgm:pt>
+    <dgm:pt modelId="{E9ECC577-C5A6-4B57-9688-757195C7DA91}" type="pres">
+      <dgm:prSet presAssocID="{AFB213B9-642E-4681-AB4F-8BCE3AF6595B}" presName="childNode" presStyleLbl="node1" presStyleIdx="19" presStyleCnt="20">
         <dgm:presLayoutVars>
           <dgm:bulletEnabled val="1"/>
         </dgm:presLayoutVars>
@@ -2071,7 +2205,9 @@
     <dgm:cxn modelId="{933C9F20-5290-4B52-B425-69742A0EF56A}" type="presOf" srcId="{D65FC975-2EB0-4989-A785-AA7646DF549A}" destId="{4E02F41F-8EE0-4BFD-BCAC-CB7C9B6CE99E}" srcOrd="0" destOrd="0" presId="urn:microsoft.com/office/officeart/2005/8/layout/lProcess2"/>
     <dgm:cxn modelId="{97830C8E-725C-4EA7-AA92-4F6836C5AAAC}" type="presOf" srcId="{E272BAA2-743B-4D14-9F74-285F3CFB6966}" destId="{0E619E1B-C4CF-4F05-AFE9-CFAE67A58F9F}" srcOrd="0" destOrd="0" presId="urn:microsoft.com/office/officeart/2005/8/layout/lProcess2"/>
     <dgm:cxn modelId="{513755E9-04A2-4DC7-A378-6819910A1945}" srcId="{6330CE54-5875-4C67-9F5F-D120560807BF}" destId="{497E3F45-A064-4FBE-B027-A380A55A3B5F}" srcOrd="10" destOrd="0" parTransId="{F81CF9D3-3B07-49F5-AEA3-901F5BE23FFE}" sibTransId="{3E50926A-0426-4F85-B373-2DACBCB5A5E6}"/>
+    <dgm:cxn modelId="{BEF24140-F97F-4F82-8411-08A9ADE0AE5A}" srcId="{8D74ECD7-FE9B-4E0B-AE0E-A35E6E7D3F69}" destId="{97C0645A-4449-47F2-AFFE-40279B8B40ED}" srcOrd="1" destOrd="0" parTransId="{2DD0B06D-E915-464B-986D-6B1D2BAF4B54}" sibTransId="{DF00079F-7FAC-4C82-B07A-C92834EEDEE1}"/>
     <dgm:cxn modelId="{FE0F0060-EC90-409C-B28A-6472198D6309}" type="presOf" srcId="{06678873-4970-414A-84E9-9DBC0BB001F6}" destId="{9D6C9127-884E-404F-865C-13ABBC2B0356}" srcOrd="0" destOrd="0" presId="urn:microsoft.com/office/officeart/2005/8/layout/lProcess2"/>
+    <dgm:cxn modelId="{7C9BEF3C-4723-482D-AF35-03AB36B9D244}" type="presOf" srcId="{97C0645A-4449-47F2-AFFE-40279B8B40ED}" destId="{AB65D6E2-EF17-4958-88DB-F5DD5FDCF8EF}" srcOrd="0" destOrd="0" presId="urn:microsoft.com/office/officeart/2005/8/layout/lProcess2"/>
     <dgm:cxn modelId="{D6670FFF-BD1A-4891-8F7F-FFAC28549380}" srcId="{6330CE54-5875-4C67-9F5F-D120560807BF}" destId="{E1929076-149A-4CE7-8362-DB6CEC8F9450}" srcOrd="0" destOrd="0" parTransId="{FB1D2F91-A434-4C32-923D-44B9B22097A9}" sibTransId="{21882AA3-FA02-48DF-B034-40F16F816E4B}"/>
     <dgm:cxn modelId="{3294F235-2A18-4215-8B93-23C49C022C1C}" srcId="{82F05B1A-3697-4D7C-BFC7-ABC4CA95BC30}" destId="{06678873-4970-414A-84E9-9DBC0BB001F6}" srcOrd="0" destOrd="0" parTransId="{BBA05B89-1698-45AC-AA3F-B58256CC313E}" sibTransId="{52E91739-991A-40E0-92C9-24BBC006FADF}"/>
     <dgm:cxn modelId="{93C00D14-D34B-4C46-BD6B-D01DD4BF6DCD}" srcId="{6330CE54-5875-4C67-9F5F-D120560807BF}" destId="{F999114E-E492-47B2-8D2D-54A105CAD100}" srcOrd="8" destOrd="0" parTransId="{3856FD99-6575-43D7-B58A-69F5FDF9B8D3}" sibTransId="{BCEFB249-9798-4CDC-8FF1-9633DA027D7B}"/>
@@ -2081,6 +2217,7 @@
     <dgm:cxn modelId="{2018F9BF-69D7-4D8E-8178-82237FEF425B}" srcId="{82F05B1A-3697-4D7C-BFC7-ABC4CA95BC30}" destId="{10476F95-9A61-4963-9804-CE3BD280F281}" srcOrd="3" destOrd="0" parTransId="{F06BBEEF-BFC8-47DE-839B-5EE8D7B89E41}" sibTransId="{22E2D4DC-2E63-44F4-8E70-191B6D3BD7CF}"/>
     <dgm:cxn modelId="{9CE9340B-29A0-4996-9104-487514648D68}" srcId="{6330CE54-5875-4C67-9F5F-D120560807BF}" destId="{82564786-BDB5-4027-B44C-9E74295644B2}" srcOrd="5" destOrd="0" parTransId="{04D757CF-D69C-4D34-968E-A72A98CA8EF5}" sibTransId="{A47D5DDA-F399-4D73-A259-DA09A2F58CD7}"/>
     <dgm:cxn modelId="{3CF080FB-99D1-4E2D-A25E-092651BD8F82}" type="presOf" srcId="{2249E0C0-599E-4CA8-A507-A71773DD10BC}" destId="{60489FA4-9170-468E-A070-BE2688CBBB19}" srcOrd="0" destOrd="0" presId="urn:microsoft.com/office/officeart/2005/8/layout/lProcess2"/>
+    <dgm:cxn modelId="{0B2CC834-AAB7-4F36-AB35-E38E2A7F98D9}" srcId="{8D74ECD7-FE9B-4E0B-AE0E-A35E6E7D3F69}" destId="{1CBE3091-CED7-44FD-A047-F252ECC2CE8F}" srcOrd="2" destOrd="0" parTransId="{F050D361-822E-4DA6-8534-9E615E166B67}" sibTransId="{DAE54B77-5D56-46A6-AC3C-FB388B8240F3}"/>
     <dgm:cxn modelId="{BFE05D0C-8B4F-40D5-A4FD-18071A6EABC2}" type="presOf" srcId="{4C2B714F-9A03-41D6-88CC-4FDFE0E341CE}" destId="{777B091A-FAA5-464A-8156-8F9755605DD2}" srcOrd="0" destOrd="0" presId="urn:microsoft.com/office/officeart/2005/8/layout/lProcess2"/>
     <dgm:cxn modelId="{6750AB16-9BC5-4FED-9227-770EE6A1D6F1}" type="presOf" srcId="{82564786-BDB5-4027-B44C-9E74295644B2}" destId="{4B59E7C9-9124-4A3D-8039-DFDBD54F63C5}" srcOrd="0" destOrd="0" presId="urn:microsoft.com/office/officeart/2005/8/layout/lProcess2"/>
     <dgm:cxn modelId="{6BFC34A0-5DAC-4E71-AF23-8C70D30846D7}" type="presOf" srcId="{6330CE54-5875-4C67-9F5F-D120560807BF}" destId="{7B4CC2F8-A9A6-4B90-95D6-58270BCC2FB4}" srcOrd="0" destOrd="0" presId="urn:microsoft.com/office/officeart/2005/8/layout/lProcess2"/>
@@ -2089,6 +2226,8 @@
     <dgm:cxn modelId="{C0EEDDF0-FA22-4882-A341-DF1CF1E68AD7}" type="presOf" srcId="{6330CE54-5875-4C67-9F5F-D120560807BF}" destId="{38D8D63D-0B00-406A-812E-CA3BBBC5C39B}" srcOrd="1" destOrd="0" presId="urn:microsoft.com/office/officeart/2005/8/layout/lProcess2"/>
     <dgm:cxn modelId="{14528345-9B06-4299-BFE2-D3C952F4C989}" type="presOf" srcId="{9B058005-70B1-4E8A-997A-F7398FBC1F60}" destId="{D58341C8-6B9D-41B4-A70F-87393CC1F54C}" srcOrd="0" destOrd="0" presId="urn:microsoft.com/office/officeart/2005/8/layout/lProcess2"/>
     <dgm:cxn modelId="{2D42EF7C-947D-46D8-A458-1184B1B279AD}" srcId="{6330CE54-5875-4C67-9F5F-D120560807BF}" destId="{E272BAA2-743B-4D14-9F74-285F3CFB6966}" srcOrd="9" destOrd="0" parTransId="{3BAB0FA1-51D2-4D0F-9BFC-DAF3D1E20920}" sibTransId="{D6C11D37-CFDB-400E-9887-5E50DB35E571}"/>
+    <dgm:cxn modelId="{E4ACA82E-86A8-4E59-82B8-05BE100F76D9}" srcId="{8D74ECD7-FE9B-4E0B-AE0E-A35E6E7D3F69}" destId="{AFB213B9-642E-4681-AB4F-8BCE3AF6595B}" srcOrd="3" destOrd="0" parTransId="{F059B162-4EB9-41E0-B351-056FF4F988B8}" sibTransId="{B55D9E02-8828-485D-B5E0-06488266AE0D}"/>
+    <dgm:cxn modelId="{22F6E1E2-6C32-4F1F-A887-41BE7C2F9A2B}" type="presOf" srcId="{AFB213B9-642E-4681-AB4F-8BCE3AF6595B}" destId="{E9ECC577-C5A6-4B57-9688-757195C7DA91}" srcOrd="0" destOrd="0" presId="urn:microsoft.com/office/officeart/2005/8/layout/lProcess2"/>
     <dgm:cxn modelId="{350E2296-FC78-48DB-A3D8-3A35217E5479}" srcId="{82F05B1A-3697-4D7C-BFC7-ABC4CA95BC30}" destId="{D34FF4D0-6218-45C7-8A0D-AEEBBE76E7E2}" srcOrd="2" destOrd="0" parTransId="{325B40B3-0979-4BA7-8FCE-A5C33B2D8CF6}" sibTransId="{63666F05-3D93-4DC8-84B9-7BA039F6DC38}"/>
     <dgm:cxn modelId="{9537DB2D-0D73-4F8B-B6B2-3D0B252B0556}" srcId="{2E6B93AA-2E23-46CE-A05F-4973460EE9E3}" destId="{6330CE54-5875-4C67-9F5F-D120560807BF}" srcOrd="0" destOrd="0" parTransId="{8F313286-8C08-4858-A6DF-CFE46474FED3}" sibTransId="{703FCCF4-688D-4C43-9F7B-A74C46F90FFA}"/>
     <dgm:cxn modelId="{1B849B45-8F93-4AD6-BD5E-A6898F6C46CF}" type="presOf" srcId="{82F05B1A-3697-4D7C-BFC7-ABC4CA95BC30}" destId="{A49350EB-7285-4B11-BA7F-98AF47FA9F06}" srcOrd="1" destOrd="0" presId="urn:microsoft.com/office/officeart/2005/8/layout/lProcess2"/>
@@ -2109,6 +2248,7 @@
     <dgm:cxn modelId="{8362D373-CA1D-452C-80CD-6AAE214DC5AC}" type="presOf" srcId="{2E6B93AA-2E23-46CE-A05F-4973460EE9E3}" destId="{1F875830-A560-4DE6-8B85-14D0892C13E0}" srcOrd="0" destOrd="0" presId="urn:microsoft.com/office/officeart/2005/8/layout/lProcess2"/>
     <dgm:cxn modelId="{FAAFAFC2-8DE3-4D78-9322-2EE51B4E6D65}" type="presOf" srcId="{497E3F45-A064-4FBE-B027-A380A55A3B5F}" destId="{DFD7D47D-1261-41A5-AAAE-F8A9FA8E921B}" srcOrd="0" destOrd="0" presId="urn:microsoft.com/office/officeart/2005/8/layout/lProcess2"/>
     <dgm:cxn modelId="{F848E294-26AC-4953-B718-34EF17B8D0D7}" srcId="{6330CE54-5875-4C67-9F5F-D120560807BF}" destId="{2249E0C0-599E-4CA8-A507-A71773DD10BC}" srcOrd="3" destOrd="0" parTransId="{D26DD9C5-0DD8-42D4-B3EA-AE0E3C153313}" sibTransId="{6714F0D5-DA20-41EE-8D16-AC969DA96357}"/>
+    <dgm:cxn modelId="{A2CE083C-E463-442B-B797-2F62177D46FB}" type="presOf" srcId="{1CBE3091-CED7-44FD-A047-F252ECC2CE8F}" destId="{DC79FB3A-3C8A-40DF-822B-A025C198677E}" srcOrd="0" destOrd="0" presId="urn:microsoft.com/office/officeart/2005/8/layout/lProcess2"/>
     <dgm:cxn modelId="{1DFAFB7B-44A3-4F80-8DBC-02369C600DBD}" srcId="{2E6B93AA-2E23-46CE-A05F-4973460EE9E3}" destId="{8D74ECD7-FE9B-4E0B-AE0E-A35E6E7D3F69}" srcOrd="2" destOrd="0" parTransId="{89F7E1DA-5A7F-49F5-A98F-B894045105D1}" sibTransId="{D48CE86D-0E4B-49F6-87B8-715A4A104458}"/>
     <dgm:cxn modelId="{677F0CC3-A675-48A2-9E98-16D4D455EDCE}" type="presParOf" srcId="{1F875830-A560-4DE6-8B85-14D0892C13E0}" destId="{D4B84122-FC9F-4DA2-9809-F357B9C6343E}" srcOrd="0" destOrd="0" presId="urn:microsoft.com/office/officeart/2005/8/layout/lProcess2"/>
     <dgm:cxn modelId="{7334FF33-A1C1-42EC-99F7-BE55ADD38B32}" type="presParOf" srcId="{D4B84122-FC9F-4DA2-9809-F357B9C6343E}" destId="{7B4CC2F8-A9A6-4B90-95D6-58270BCC2FB4}" srcOrd="0" destOrd="0" presId="urn:microsoft.com/office/officeart/2005/8/layout/lProcess2"/>
@@ -2158,6 +2298,12 @@
     <dgm:cxn modelId="{7B54F50B-104D-4932-A284-C7E41E799E72}" type="presParOf" srcId="{4658FE70-0196-4CA1-9B95-A303534A9BB2}" destId="{20D2ADEA-32D0-4D67-BA5C-650445669736}" srcOrd="2" destOrd="0" presId="urn:microsoft.com/office/officeart/2005/8/layout/lProcess2"/>
     <dgm:cxn modelId="{C2F04E8C-226F-4804-B5FE-F608E4D21E2B}" type="presParOf" srcId="{20D2ADEA-32D0-4D67-BA5C-650445669736}" destId="{36B709D7-FFCC-4CFC-B84F-61C5C29498B3}" srcOrd="0" destOrd="0" presId="urn:microsoft.com/office/officeart/2005/8/layout/lProcess2"/>
     <dgm:cxn modelId="{1AFEA9F3-7148-4205-8BA5-2C848B1CB61F}" type="presParOf" srcId="{36B709D7-FFCC-4CFC-B84F-61C5C29498B3}" destId="{9821FC84-57C5-4F9D-9A3B-09B69D421957}" srcOrd="0" destOrd="0" presId="urn:microsoft.com/office/officeart/2005/8/layout/lProcess2"/>
+    <dgm:cxn modelId="{63B08DA2-E197-4FBD-B50F-B4A3FCF02BCE}" type="presParOf" srcId="{36B709D7-FFCC-4CFC-B84F-61C5C29498B3}" destId="{0CB7D4F2-8359-4912-A9A8-1993C2B36EE8}" srcOrd="1" destOrd="0" presId="urn:microsoft.com/office/officeart/2005/8/layout/lProcess2"/>
+    <dgm:cxn modelId="{49426426-BDE7-4C29-BD24-0CBB2171DFBA}" type="presParOf" srcId="{36B709D7-FFCC-4CFC-B84F-61C5C29498B3}" destId="{AB65D6E2-EF17-4958-88DB-F5DD5FDCF8EF}" srcOrd="2" destOrd="0" presId="urn:microsoft.com/office/officeart/2005/8/layout/lProcess2"/>
+    <dgm:cxn modelId="{B9895B49-113C-426F-BB74-D2E4B801D7E6}" type="presParOf" srcId="{36B709D7-FFCC-4CFC-B84F-61C5C29498B3}" destId="{665CAF85-8707-40F7-B966-E24DD27FE153}" srcOrd="3" destOrd="0" presId="urn:microsoft.com/office/officeart/2005/8/layout/lProcess2"/>
+    <dgm:cxn modelId="{D3C9D3A7-D03A-4305-B72C-92023466590A}" type="presParOf" srcId="{36B709D7-FFCC-4CFC-B84F-61C5C29498B3}" destId="{DC79FB3A-3C8A-40DF-822B-A025C198677E}" srcOrd="4" destOrd="0" presId="urn:microsoft.com/office/officeart/2005/8/layout/lProcess2"/>
+    <dgm:cxn modelId="{DE5B9920-10C1-49AA-8370-0BCE83A4CD13}" type="presParOf" srcId="{36B709D7-FFCC-4CFC-B84F-61C5C29498B3}" destId="{978E9601-B872-46F5-9211-B9A0D31B048F}" srcOrd="5" destOrd="0" presId="urn:microsoft.com/office/officeart/2005/8/layout/lProcess2"/>
+    <dgm:cxn modelId="{DCA8C8C1-D37E-4753-A454-D06BCB8A04BB}" type="presParOf" srcId="{36B709D7-FFCC-4CFC-B84F-61C5C29498B3}" destId="{E9ECC577-C5A6-4B57-9688-757195C7DA91}" srcOrd="6" destOrd="0" presId="urn:microsoft.com/office/officeart/2005/8/layout/lProcess2"/>
   </dgm:cxnLst>
   <dgm:bg/>
   <dgm:whole/>
@@ -3686,8 +3832,8 @@
       </dsp:nvSpPr>
       <dsp:spPr>
         <a:xfrm>
-          <a:off x="7510592" y="1677352"/>
-          <a:ext cx="2669976" cy="3634263"/>
+          <a:off x="7510592" y="1677489"/>
+          <a:ext cx="2669976" cy="814515"/>
         </a:xfrm>
         <a:prstGeom prst="roundRect">
           <a:avLst>
@@ -3755,8 +3901,256 @@
         </a:p>
       </dsp:txBody>
       <dsp:txXfrm>
-        <a:off x="7588793" y="1755553"/>
-        <a:ext cx="2513574" cy="3477861"/>
+        <a:off x="7534448" y="1701345"/>
+        <a:ext cx="2622264" cy="766803"/>
+      </dsp:txXfrm>
+    </dsp:sp>
+    <dsp:sp modelId="{AB65D6E2-EF17-4958-88DB-F5DD5FDCF8EF}">
+      <dsp:nvSpPr>
+        <dsp:cNvPr id="0" name=""/>
+        <dsp:cNvSpPr/>
+      </dsp:nvSpPr>
+      <dsp:spPr>
+        <a:xfrm>
+          <a:off x="7510592" y="2617314"/>
+          <a:ext cx="2669976" cy="814515"/>
+        </a:xfrm>
+        <a:prstGeom prst="roundRect">
+          <a:avLst>
+            <a:gd name="adj" fmla="val 10000"/>
+          </a:avLst>
+        </a:prstGeom>
+        <a:solidFill>
+          <a:schemeClr val="accent1">
+            <a:hueOff val="0"/>
+            <a:satOff val="0"/>
+            <a:lumOff val="0"/>
+            <a:alphaOff val="0"/>
+          </a:schemeClr>
+        </a:solidFill>
+        <a:ln w="12700" cap="flat" cmpd="sng" algn="ctr">
+          <a:solidFill>
+            <a:schemeClr val="lt1">
+              <a:hueOff val="0"/>
+              <a:satOff val="0"/>
+              <a:lumOff val="0"/>
+              <a:alphaOff val="0"/>
+            </a:schemeClr>
+          </a:solidFill>
+          <a:prstDash val="solid"/>
+          <a:miter lim="800000"/>
+        </a:ln>
+        <a:effectLst/>
+      </dsp:spPr>
+      <dsp:style>
+        <a:lnRef idx="2">
+          <a:scrgbClr r="0" g="0" b="0"/>
+        </a:lnRef>
+        <a:fillRef idx="1">
+          <a:scrgbClr r="0" g="0" b="0"/>
+        </a:fillRef>
+        <a:effectRef idx="0">
+          <a:scrgbClr r="0" g="0" b="0"/>
+        </a:effectRef>
+        <a:fontRef idx="minor">
+          <a:schemeClr val="lt1"/>
+        </a:fontRef>
+      </dsp:style>
+      <dsp:txBody>
+        <a:bodyPr spcFirstLastPara="0" vert="horz" wrap="square" lIns="38100" tIns="28575" rIns="38100" bIns="28575" numCol="1" spcCol="1270" anchor="ctr" anchorCtr="0">
+          <a:noAutofit/>
+        </a:bodyPr>
+        <a:lstStyle/>
+        <a:p>
+          <a:pPr lvl="0" algn="ctr" defTabSz="666750">
+            <a:lnSpc>
+              <a:spcPct val="90000"/>
+            </a:lnSpc>
+            <a:spcBef>
+              <a:spcPct val="0"/>
+            </a:spcBef>
+            <a:spcAft>
+              <a:spcPct val="35000"/>
+            </a:spcAft>
+          </a:pPr>
+          <a:r>
+            <a:rPr lang="sv-SE" sz="1500" kern="1200" dirty="0" smtClean="0"/>
+            <a:t>Service </a:t>
+          </a:r>
+          <a:r>
+            <a:rPr lang="sv-SE" sz="1500" kern="1200" dirty="0" err="1" smtClean="0"/>
+            <a:t>Gateway</a:t>
+          </a:r>
+          <a:endParaRPr lang="sv-SE" sz="1500" kern="1200" dirty="0"/>
+        </a:p>
+      </dsp:txBody>
+      <dsp:txXfrm>
+        <a:off x="7534448" y="2641170"/>
+        <a:ext cx="2622264" cy="766803"/>
+      </dsp:txXfrm>
+    </dsp:sp>
+    <dsp:sp modelId="{DC79FB3A-3C8A-40DF-822B-A025C198677E}">
+      <dsp:nvSpPr>
+        <dsp:cNvPr id="0" name=""/>
+        <dsp:cNvSpPr/>
+      </dsp:nvSpPr>
+      <dsp:spPr>
+        <a:xfrm>
+          <a:off x="7510592" y="3557139"/>
+          <a:ext cx="2669976" cy="814515"/>
+        </a:xfrm>
+        <a:prstGeom prst="roundRect">
+          <a:avLst>
+            <a:gd name="adj" fmla="val 10000"/>
+          </a:avLst>
+        </a:prstGeom>
+        <a:solidFill>
+          <a:schemeClr val="accent1">
+            <a:hueOff val="0"/>
+            <a:satOff val="0"/>
+            <a:lumOff val="0"/>
+            <a:alphaOff val="0"/>
+          </a:schemeClr>
+        </a:solidFill>
+        <a:ln w="12700" cap="flat" cmpd="sng" algn="ctr">
+          <a:solidFill>
+            <a:schemeClr val="lt1">
+              <a:hueOff val="0"/>
+              <a:satOff val="0"/>
+              <a:lumOff val="0"/>
+              <a:alphaOff val="0"/>
+            </a:schemeClr>
+          </a:solidFill>
+          <a:prstDash val="solid"/>
+          <a:miter lim="800000"/>
+        </a:ln>
+        <a:effectLst/>
+      </dsp:spPr>
+      <dsp:style>
+        <a:lnRef idx="2">
+          <a:scrgbClr r="0" g="0" b="0"/>
+        </a:lnRef>
+        <a:fillRef idx="1">
+          <a:scrgbClr r="0" g="0" b="0"/>
+        </a:fillRef>
+        <a:effectRef idx="0">
+          <a:scrgbClr r="0" g="0" b="0"/>
+        </a:effectRef>
+        <a:fontRef idx="minor">
+          <a:schemeClr val="lt1"/>
+        </a:fontRef>
+      </dsp:style>
+      <dsp:txBody>
+        <a:bodyPr spcFirstLastPara="0" vert="horz" wrap="square" lIns="38100" tIns="28575" rIns="38100" bIns="28575" numCol="1" spcCol="1270" anchor="ctr" anchorCtr="0">
+          <a:noAutofit/>
+        </a:bodyPr>
+        <a:lstStyle/>
+        <a:p>
+          <a:pPr lvl="0" algn="ctr" defTabSz="666750">
+            <a:lnSpc>
+              <a:spcPct val="90000"/>
+            </a:lnSpc>
+            <a:spcBef>
+              <a:spcPct val="0"/>
+            </a:spcBef>
+            <a:spcAft>
+              <a:spcPct val="35000"/>
+            </a:spcAft>
+          </a:pPr>
+          <a:r>
+            <a:rPr lang="sv-SE" sz="1500" kern="1200" dirty="0" smtClean="0"/>
+            <a:t>Task </a:t>
+          </a:r>
+          <a:r>
+            <a:rPr lang="sv-SE" sz="1500" kern="1200" dirty="0" err="1" smtClean="0"/>
+            <a:t>Scheduler</a:t>
+          </a:r>
+          <a:endParaRPr lang="sv-SE" sz="1500" kern="1200" dirty="0"/>
+        </a:p>
+      </dsp:txBody>
+      <dsp:txXfrm>
+        <a:off x="7534448" y="3580995"/>
+        <a:ext cx="2622264" cy="766803"/>
+      </dsp:txXfrm>
+    </dsp:sp>
+    <dsp:sp modelId="{E9ECC577-C5A6-4B57-9688-757195C7DA91}">
+      <dsp:nvSpPr>
+        <dsp:cNvPr id="0" name=""/>
+        <dsp:cNvSpPr/>
+      </dsp:nvSpPr>
+      <dsp:spPr>
+        <a:xfrm>
+          <a:off x="7510592" y="4496964"/>
+          <a:ext cx="2669976" cy="814515"/>
+        </a:xfrm>
+        <a:prstGeom prst="roundRect">
+          <a:avLst>
+            <a:gd name="adj" fmla="val 10000"/>
+          </a:avLst>
+        </a:prstGeom>
+        <a:solidFill>
+          <a:schemeClr val="accent1">
+            <a:hueOff val="0"/>
+            <a:satOff val="0"/>
+            <a:lumOff val="0"/>
+            <a:alphaOff val="0"/>
+          </a:schemeClr>
+        </a:solidFill>
+        <a:ln w="12700" cap="flat" cmpd="sng" algn="ctr">
+          <a:solidFill>
+            <a:schemeClr val="lt1">
+              <a:hueOff val="0"/>
+              <a:satOff val="0"/>
+              <a:lumOff val="0"/>
+              <a:alphaOff val="0"/>
+            </a:schemeClr>
+          </a:solidFill>
+          <a:prstDash val="solid"/>
+          <a:miter lim="800000"/>
+        </a:ln>
+        <a:effectLst/>
+      </dsp:spPr>
+      <dsp:style>
+        <a:lnRef idx="2">
+          <a:scrgbClr r="0" g="0" b="0"/>
+        </a:lnRef>
+        <a:fillRef idx="1">
+          <a:scrgbClr r="0" g="0" b="0"/>
+        </a:fillRef>
+        <a:effectRef idx="0">
+          <a:scrgbClr r="0" g="0" b="0"/>
+        </a:effectRef>
+        <a:fontRef idx="minor">
+          <a:schemeClr val="lt1"/>
+        </a:fontRef>
+      </dsp:style>
+      <dsp:txBody>
+        <a:bodyPr spcFirstLastPara="0" vert="horz" wrap="square" lIns="38100" tIns="28575" rIns="38100" bIns="28575" numCol="1" spcCol="1270" anchor="ctr" anchorCtr="0">
+          <a:noAutofit/>
+        </a:bodyPr>
+        <a:lstStyle/>
+        <a:p>
+          <a:pPr lvl="0" algn="ctr" defTabSz="666750">
+            <a:lnSpc>
+              <a:spcPct val="90000"/>
+            </a:lnSpc>
+            <a:spcBef>
+              <a:spcPct val="0"/>
+            </a:spcBef>
+            <a:spcAft>
+              <a:spcPct val="35000"/>
+            </a:spcAft>
+          </a:pPr>
+          <a:r>
+            <a:rPr lang="sv-SE" sz="1500" kern="1200" dirty="0" smtClean="0"/>
+            <a:t>…</a:t>
+          </a:r>
+          <a:endParaRPr lang="sv-SE" sz="1500" kern="1200" dirty="0"/>
+        </a:p>
+      </dsp:txBody>
+      <dsp:txXfrm>
+        <a:off x="7534448" y="4520820"/>
+        <a:ext cx="2622264" cy="766803"/>
       </dsp:txXfrm>
     </dsp:sp>
   </dsp:spTree>
@@ -5155,7 +5549,7 @@
           <a:p>
             <a:fld id="{886FC345-D96F-49DE-BDE9-B0D10F025DE1}" type="datetimeFigureOut">
               <a:rPr lang="sv-SE" smtClean="0"/>
-              <a:t>2018-06-15</a:t>
+              <a:t>2018-06-27</a:t>
             </a:fld>
             <a:endParaRPr lang="sv-SE"/>
           </a:p>
@@ -5325,7 +5719,7 @@
           <a:p>
             <a:fld id="{886FC345-D96F-49DE-BDE9-B0D10F025DE1}" type="datetimeFigureOut">
               <a:rPr lang="sv-SE" smtClean="0"/>
-              <a:t>2018-06-15</a:t>
+              <a:t>2018-06-27</a:t>
             </a:fld>
             <a:endParaRPr lang="sv-SE"/>
           </a:p>
@@ -5505,7 +5899,7 @@
           <a:p>
             <a:fld id="{886FC345-D96F-49DE-BDE9-B0D10F025DE1}" type="datetimeFigureOut">
               <a:rPr lang="sv-SE" smtClean="0"/>
-              <a:t>2018-06-15</a:t>
+              <a:t>2018-06-27</a:t>
             </a:fld>
             <a:endParaRPr lang="sv-SE"/>
           </a:p>
@@ -5675,7 +6069,7 @@
           <a:p>
             <a:fld id="{886FC345-D96F-49DE-BDE9-B0D10F025DE1}" type="datetimeFigureOut">
               <a:rPr lang="sv-SE" smtClean="0"/>
-              <a:t>2018-06-15</a:t>
+              <a:t>2018-06-27</a:t>
             </a:fld>
             <a:endParaRPr lang="sv-SE"/>
           </a:p>
@@ -5921,7 +6315,7 @@
           <a:p>
             <a:fld id="{886FC345-D96F-49DE-BDE9-B0D10F025DE1}" type="datetimeFigureOut">
               <a:rPr lang="sv-SE" smtClean="0"/>
-              <a:t>2018-06-15</a:t>
+              <a:t>2018-06-27</a:t>
             </a:fld>
             <a:endParaRPr lang="sv-SE"/>
           </a:p>
@@ -6153,7 +6547,7 @@
           <a:p>
             <a:fld id="{886FC345-D96F-49DE-BDE9-B0D10F025DE1}" type="datetimeFigureOut">
               <a:rPr lang="sv-SE" smtClean="0"/>
-              <a:t>2018-06-15</a:t>
+              <a:t>2018-06-27</a:t>
             </a:fld>
             <a:endParaRPr lang="sv-SE"/>
           </a:p>
@@ -6520,7 +6914,7 @@
           <a:p>
             <a:fld id="{886FC345-D96F-49DE-BDE9-B0D10F025DE1}" type="datetimeFigureOut">
               <a:rPr lang="sv-SE" smtClean="0"/>
-              <a:t>2018-06-15</a:t>
+              <a:t>2018-06-27</a:t>
             </a:fld>
             <a:endParaRPr lang="sv-SE"/>
           </a:p>
@@ -6638,7 +7032,7 @@
           <a:p>
             <a:fld id="{886FC345-D96F-49DE-BDE9-B0D10F025DE1}" type="datetimeFigureOut">
               <a:rPr lang="sv-SE" smtClean="0"/>
-              <a:t>2018-06-15</a:t>
+              <a:t>2018-06-27</a:t>
             </a:fld>
             <a:endParaRPr lang="sv-SE"/>
           </a:p>
@@ -6733,7 +7127,7 @@
           <a:p>
             <a:fld id="{886FC345-D96F-49DE-BDE9-B0D10F025DE1}" type="datetimeFigureOut">
               <a:rPr lang="sv-SE" smtClean="0"/>
-              <a:t>2018-06-15</a:t>
+              <a:t>2018-06-27</a:t>
             </a:fld>
             <a:endParaRPr lang="sv-SE"/>
           </a:p>
@@ -7010,7 +7404,7 @@
           <a:p>
             <a:fld id="{886FC345-D96F-49DE-BDE9-B0D10F025DE1}" type="datetimeFigureOut">
               <a:rPr lang="sv-SE" smtClean="0"/>
-              <a:t>2018-06-15</a:t>
+              <a:t>2018-06-27</a:t>
             </a:fld>
             <a:endParaRPr lang="sv-SE"/>
           </a:p>
@@ -7263,7 +7657,7 @@
           <a:p>
             <a:fld id="{886FC345-D96F-49DE-BDE9-B0D10F025DE1}" type="datetimeFigureOut">
               <a:rPr lang="sv-SE" smtClean="0"/>
-              <a:t>2018-06-15</a:t>
+              <a:t>2018-06-27</a:t>
             </a:fld>
             <a:endParaRPr lang="sv-SE"/>
           </a:p>
@@ -7476,7 +7870,7 @@
           <a:p>
             <a:fld id="{886FC345-D96F-49DE-BDE9-B0D10F025DE1}" type="datetimeFigureOut">
               <a:rPr lang="sv-SE" smtClean="0"/>
-              <a:t>2018-06-15</a:t>
+              <a:t>2018-06-27</a:t>
             </a:fld>
             <a:endParaRPr lang="sv-SE"/>
           </a:p>
@@ -7959,7 +8353,7 @@
             <p:ph idx="1"/>
             <p:extLst>
               <p:ext uri="{D42A27DB-BD31-4B8C-83A1-F6EECF244321}">
-                <p14:modId xmlns:p14="http://schemas.microsoft.com/office/powerpoint/2010/main" val="3420395631"/>
+                <p14:modId xmlns:p14="http://schemas.microsoft.com/office/powerpoint/2010/main" val="3783577505"/>
               </p:ext>
             </p:extLst>
           </p:nvPr>
